--- a/First Project Data and Code/Cardiovascular Mortality Presentation CJK edits.pptx
+++ b/First Project Data and Code/Cardiovascular Mortality Presentation CJK edits.pptx
@@ -5,7 +5,7 @@
     <p:sldMasterId id="2147483648" r:id="rId1"/>
   </p:sldMasterIdLst>
   <p:notesMasterIdLst>
-    <p:notesMasterId r:id="rId16"/>
+    <p:notesMasterId r:id="rId11"/>
   </p:notesMasterIdLst>
   <p:sldIdLst>
     <p:sldId id="259" r:id="rId2"/>
@@ -13,15 +13,10 @@
     <p:sldId id="260" r:id="rId4"/>
     <p:sldId id="262" r:id="rId5"/>
     <p:sldId id="581" r:id="rId6"/>
-    <p:sldId id="582" r:id="rId7"/>
-    <p:sldId id="583" r:id="rId8"/>
-    <p:sldId id="574" r:id="rId9"/>
-    <p:sldId id="575" r:id="rId10"/>
-    <p:sldId id="577" r:id="rId11"/>
-    <p:sldId id="572" r:id="rId12"/>
-    <p:sldId id="571" r:id="rId13"/>
-    <p:sldId id="576" r:id="rId14"/>
-    <p:sldId id="584" r:id="rId15"/>
+    <p:sldId id="585" r:id="rId7"/>
+    <p:sldId id="582" r:id="rId8"/>
+    <p:sldId id="583" r:id="rId9"/>
+    <p:sldId id="586" r:id="rId10"/>
   </p:sldIdLst>
   <p:sldSz cx="12192000" cy="6858000"/>
   <p:notesSz cx="6858000" cy="9144000"/>
@@ -218,7 +213,7 @@
           <a:p>
             <a:fld id="{379DA041-9F22-4583-A033-688ED897DD84}" type="datetimeFigureOut">
               <a:rPr lang="en-US" smtClean="0"/>
-              <a:t>11/27/2018</a:t>
+              <a:t>12/8/2018</a:t>
             </a:fld>
             <a:endParaRPr lang="en-US"/>
           </a:p>
@@ -632,7 +627,7 @@
           <a:p>
             <a:fld id="{3EB66871-4E60-40B2-816D-482DF2254817}" type="datetimeFigureOut">
               <a:rPr lang="en-US" smtClean="0"/>
-              <a:t>11/27/2018</a:t>
+              <a:t>12/8/2018</a:t>
             </a:fld>
             <a:endParaRPr lang="en-US"/>
           </a:p>
@@ -830,7 +825,7 @@
           <a:p>
             <a:fld id="{3EB66871-4E60-40B2-816D-482DF2254817}" type="datetimeFigureOut">
               <a:rPr lang="en-US" smtClean="0"/>
-              <a:t>11/27/2018</a:t>
+              <a:t>12/8/2018</a:t>
             </a:fld>
             <a:endParaRPr lang="en-US"/>
           </a:p>
@@ -1038,7 +1033,7 @@
           <a:p>
             <a:fld id="{3EB66871-4E60-40B2-816D-482DF2254817}" type="datetimeFigureOut">
               <a:rPr lang="en-US" smtClean="0"/>
-              <a:t>11/27/2018</a:t>
+              <a:t>12/8/2018</a:t>
             </a:fld>
             <a:endParaRPr lang="en-US"/>
           </a:p>
@@ -1236,7 +1231,7 @@
           <a:p>
             <a:fld id="{3EB66871-4E60-40B2-816D-482DF2254817}" type="datetimeFigureOut">
               <a:rPr lang="en-US" smtClean="0"/>
-              <a:t>11/27/2018</a:t>
+              <a:t>12/8/2018</a:t>
             </a:fld>
             <a:endParaRPr lang="en-US"/>
           </a:p>
@@ -1511,7 +1506,7 @@
           <a:p>
             <a:fld id="{3EB66871-4E60-40B2-816D-482DF2254817}" type="datetimeFigureOut">
               <a:rPr lang="en-US" smtClean="0"/>
-              <a:t>11/27/2018</a:t>
+              <a:t>12/8/2018</a:t>
             </a:fld>
             <a:endParaRPr lang="en-US"/>
           </a:p>
@@ -1776,7 +1771,7 @@
           <a:p>
             <a:fld id="{3EB66871-4E60-40B2-816D-482DF2254817}" type="datetimeFigureOut">
               <a:rPr lang="en-US" smtClean="0"/>
-              <a:t>11/27/2018</a:t>
+              <a:t>12/8/2018</a:t>
             </a:fld>
             <a:endParaRPr lang="en-US"/>
           </a:p>
@@ -2188,7 +2183,7 @@
           <a:p>
             <a:fld id="{3EB66871-4E60-40B2-816D-482DF2254817}" type="datetimeFigureOut">
               <a:rPr lang="en-US" smtClean="0"/>
-              <a:t>11/27/2018</a:t>
+              <a:t>12/8/2018</a:t>
             </a:fld>
             <a:endParaRPr lang="en-US"/>
           </a:p>
@@ -2329,7 +2324,7 @@
           <a:p>
             <a:fld id="{3EB66871-4E60-40B2-816D-482DF2254817}" type="datetimeFigureOut">
               <a:rPr lang="en-US" smtClean="0"/>
-              <a:t>11/27/2018</a:t>
+              <a:t>12/8/2018</a:t>
             </a:fld>
             <a:endParaRPr lang="en-US"/>
           </a:p>
@@ -2442,7 +2437,7 @@
           <a:p>
             <a:fld id="{3EB66871-4E60-40B2-816D-482DF2254817}" type="datetimeFigureOut">
               <a:rPr lang="en-US" smtClean="0"/>
-              <a:t>11/27/2018</a:t>
+              <a:t>12/8/2018</a:t>
             </a:fld>
             <a:endParaRPr lang="en-US"/>
           </a:p>
@@ -2753,7 +2748,7 @@
           <a:p>
             <a:fld id="{3EB66871-4E60-40B2-816D-482DF2254817}" type="datetimeFigureOut">
               <a:rPr lang="en-US" smtClean="0"/>
-              <a:t>11/27/2018</a:t>
+              <a:t>12/8/2018</a:t>
             </a:fld>
             <a:endParaRPr lang="en-US"/>
           </a:p>
@@ -3041,7 +3036,7 @@
           <a:p>
             <a:fld id="{3EB66871-4E60-40B2-816D-482DF2254817}" type="datetimeFigureOut">
               <a:rPr lang="en-US" smtClean="0"/>
-              <a:t>11/27/2018</a:t>
+              <a:t>12/8/2018</a:t>
             </a:fld>
             <a:endParaRPr lang="en-US"/>
           </a:p>
@@ -3282,7 +3277,7 @@
           <a:p>
             <a:fld id="{3EB66871-4E60-40B2-816D-482DF2254817}" type="datetimeFigureOut">
               <a:rPr lang="en-US" smtClean="0"/>
-              <a:t>11/27/2018</a:t>
+              <a:t>12/8/2018</a:t>
             </a:fld>
             <a:endParaRPr lang="en-US"/>
           </a:p>
@@ -3741,7 +3736,7 @@
             <a:pPr algn="l"/>
             <a:r>
               <a:rPr lang="en-US" sz="4400" dirty="0"/>
-              <a:t>The Link Between Cardiovascular Mortality and Socioeconomic Status in the U.S.</a:t>
+              <a:t>Determining “at-risk” populations for cardiovascular disease-mortality by examining environmental factors</a:t>
             </a:r>
           </a:p>
         </p:txBody>
@@ -3770,22 +3765,30 @@
         </p:spPr>
         <p:txBody>
           <a:bodyPr anchor="t">
-            <a:normAutofit/>
+            <a:normAutofit lnSpcReduction="10000"/>
           </a:bodyPr>
           <a:lstStyle/>
           <a:p>
             <a:pPr algn="l"/>
             <a:r>
               <a:rPr lang="en-US" sz="2000" dirty="0"/>
-              <a:t>Randy Chan, Corey </a:t>
+              <a:t>Carter Cunningham, Jason Garner, Corey Kretzmer, Andrew </a:t>
             </a:r>
             <a:r>
               <a:rPr lang="en-US" sz="2000" dirty="0" err="1"/>
-              <a:t>Kretzmer</a:t>
+              <a:t>Krog</a:t>
             </a:r>
             <a:r>
               <a:rPr lang="en-US" sz="2000" dirty="0"/>
-              <a:t>, Andrew Krog</a:t>
+              <a:t>, Barrett </a:t>
+            </a:r>
+            <a:r>
+              <a:rPr lang="en-US" sz="2000" dirty="0" err="1"/>
+              <a:t>Ottenberg</a:t>
+            </a:r>
+            <a:r>
+              <a:rPr lang="en-US" sz="2000" dirty="0"/>
+              <a:t>, Ava Prokop</a:t>
             </a:r>
           </a:p>
         </p:txBody>
@@ -4086,7 +4089,7 @@
 </p:sld>
 </file>
 
-<file path=ppt/slides/slide10.xml><?xml version="1.0" encoding="utf-8"?>
+<file path=ppt/slides/slide2.xml><?xml version="1.0" encoding="utf-8"?>
 <p:sld xmlns:a="http://schemas.openxmlformats.org/drawingml/2006/main" xmlns:r="http://schemas.openxmlformats.org/officeDocument/2006/relationships" xmlns:p="http://schemas.openxmlformats.org/presentationml/2006/main">
   <p:cSld>
     <p:bg>
@@ -4176,9 +4179,49 @@
           </a:p>
         </p:txBody>
       </p:sp>
+      <p:sp>
+        <p:nvSpPr>
+          <p:cNvPr id="4" name="Title 3">
+            <a:extLst>
+              <a:ext uri="{FF2B5EF4-FFF2-40B4-BE49-F238E27FC236}">
+                <a16:creationId xmlns:a16="http://schemas.microsoft.com/office/drawing/2014/main" id="{9860BD11-FBA7-4C2B-B8D3-9608DBCCD7F3}"/>
+              </a:ext>
+            </a:extLst>
+          </p:cNvPr>
+          <p:cNvSpPr>
+            <a:spLocks noGrp="1"/>
+          </p:cNvSpPr>
+          <p:nvPr>
+            <p:ph type="title"/>
+          </p:nvPr>
+        </p:nvSpPr>
+        <p:spPr>
+          <a:xfrm>
+            <a:off x="838200" y="963877"/>
+            <a:ext cx="3494362" cy="4930246"/>
+          </a:xfrm>
+        </p:spPr>
+        <p:txBody>
+          <a:bodyPr>
+            <a:normAutofit/>
+          </a:bodyPr>
+          <a:lstStyle/>
+          <a:p>
+            <a:pPr algn="r"/>
+            <a:r>
+              <a:rPr lang="en-US" dirty="0">
+                <a:solidFill>
+                  <a:schemeClr val="accent1"/>
+                </a:solidFill>
+              </a:rPr>
+              <a:t>Hypothesis &amp; Motivation</a:t>
+            </a:r>
+          </a:p>
+        </p:txBody>
+      </p:sp>
       <p:cxnSp>
         <p:nvCxnSpPr>
-          <p:cNvPr id="28" name="Straight Connector 11" hidden="1">
+          <p:cNvPr id="28" name="Straight Connector 11">
             <a:extLst>
               <a:ext uri="{FF2B5EF4-FFF2-40B4-BE49-F238E27FC236}">
                 <a16:creationId xmlns:a16="http://schemas.microsoft.com/office/drawing/2014/main" id="{2D72A2C9-F3CA-4216-8BAD-FA4C970C3C4E}"/>
@@ -4233,823 +4276,24 @@
       </p:cxnSp>
       <p:sp>
         <p:nvSpPr>
-          <p:cNvPr id="8" name="TextBox 7">
-            <a:extLst>
-              <a:ext uri="{FF2B5EF4-FFF2-40B4-BE49-F238E27FC236}">
-                <a16:creationId xmlns:a16="http://schemas.microsoft.com/office/drawing/2014/main" id="{3258DA5A-AD07-41D9-BDED-3670E51A5F7A}"/>
-              </a:ext>
-            </a:extLst>
-          </p:cNvPr>
-          <p:cNvSpPr txBox="1"/>
-          <p:nvPr/>
+          <p:cNvPr id="29" name="Content Placeholder 4">
+            <a:extLst>
+              <a:ext uri="{FF2B5EF4-FFF2-40B4-BE49-F238E27FC236}">
+                <a16:creationId xmlns:a16="http://schemas.microsoft.com/office/drawing/2014/main" id="{1B9863A8-8D16-4F37-95A3-2D43EBDADF19}"/>
+              </a:ext>
+            </a:extLst>
+          </p:cNvPr>
+          <p:cNvSpPr>
+            <a:spLocks noGrp="1"/>
+          </p:cNvSpPr>
+          <p:nvPr>
+            <p:ph idx="1"/>
+          </p:nvPr>
         </p:nvSpPr>
         <p:spPr>
           <a:xfrm>
-            <a:off x="6237732" y="3624943"/>
-            <a:ext cx="5490972" cy="2500685"/>
-          </a:xfrm>
-          <a:prstGeom prst="rect">
-            <a:avLst/>
-          </a:prstGeom>
-          <a:noFill/>
-        </p:spPr>
-        <p:txBody>
-          <a:bodyPr wrap="square" rtlCol="0">
-            <a:spAutoFit/>
-          </a:bodyPr>
-          <a:lstStyle/>
-          <a:p>
-            <a:pPr algn="ctr"/>
-            <a:r>
-              <a:rPr lang="en-US" sz="2000" b="1" u="sng" dirty="0">
-                <a:solidFill>
-                  <a:srgbClr val="0070C0"/>
-                </a:solidFill>
-              </a:rPr>
-              <a:t>Comparison – Wilcox, AL</a:t>
-            </a:r>
-            <a:endParaRPr lang="en-US" sz="2000" dirty="0">
-              <a:solidFill>
-                <a:prstClr val="black"/>
-              </a:solidFill>
-              <a:latin typeface="Calibri" panose="020F0502020204030204"/>
-            </a:endParaRPr>
-          </a:p>
-          <a:p>
-            <a:pPr marL="285750" indent="-285750">
-              <a:buFont typeface="Wingdings" panose="05000000000000000000" pitchFamily="2" charset="2"/>
-              <a:buChar char="Ø"/>
-            </a:pPr>
-            <a:r>
-              <a:rPr lang="en-US" sz="1600" dirty="0">
-                <a:solidFill>
-                  <a:prstClr val="black"/>
-                </a:solidFill>
-                <a:latin typeface="Calibri" panose="020F0502020204030204"/>
-              </a:rPr>
-              <a:t>Crude Rate for Wilcox, AL is 448.2, which means that every 100,000 people, 448 die each year from heart disease. It represents one of the highest rates of all counties.</a:t>
-            </a:r>
-          </a:p>
-          <a:p>
-            <a:pPr marL="285750" indent="-285750">
-              <a:buFont typeface="Wingdings" panose="05000000000000000000" pitchFamily="2" charset="2"/>
-              <a:buChar char="Ø"/>
-            </a:pPr>
-            <a:endParaRPr lang="en-US" sz="1050" dirty="0">
-              <a:solidFill>
-                <a:prstClr val="black"/>
-              </a:solidFill>
-              <a:latin typeface="Calibri" panose="020F0502020204030204"/>
-            </a:endParaRPr>
-          </a:p>
-          <a:p>
-            <a:pPr marL="285750" indent="-285750">
-              <a:buFont typeface="Wingdings" panose="05000000000000000000" pitchFamily="2" charset="2"/>
-              <a:buChar char="Ø"/>
-            </a:pPr>
-            <a:r>
-              <a:rPr lang="en-US" sz="1600" dirty="0">
-                <a:solidFill>
-                  <a:prstClr val="black"/>
-                </a:solidFill>
-                <a:latin typeface="Calibri" panose="020F0502020204030204"/>
-              </a:rPr>
-              <a:t>Median Household Income for Montgomery County is $23,315, in the lowest 10% of counties</a:t>
-            </a:r>
-          </a:p>
-          <a:p>
-            <a:pPr marL="285750" indent="-285750">
-              <a:buFont typeface="Wingdings" panose="05000000000000000000" pitchFamily="2" charset="2"/>
-              <a:buChar char="Ø"/>
-            </a:pPr>
-            <a:endParaRPr lang="en-US" sz="1400" dirty="0">
-              <a:solidFill>
-                <a:prstClr val="black"/>
-              </a:solidFill>
-              <a:latin typeface="Calibri" panose="020F0502020204030204"/>
-            </a:endParaRPr>
-          </a:p>
-          <a:p>
-            <a:pPr marL="285750" indent="-285750">
-              <a:buFont typeface="Wingdings" panose="05000000000000000000" pitchFamily="2" charset="2"/>
-              <a:buChar char="Ø"/>
-            </a:pPr>
-            <a:r>
-              <a:rPr lang="en-US" sz="1600" dirty="0">
-                <a:solidFill>
-                  <a:prstClr val="black"/>
-                </a:solidFill>
-                <a:latin typeface="Calibri" panose="020F0502020204030204"/>
-              </a:rPr>
-              <a:t>Mean Years of Schooling for Montgomery County is 12.96 years, which represents the lowest bucket for years in school</a:t>
-            </a:r>
-          </a:p>
-        </p:txBody>
-      </p:sp>
-      <p:pic>
-        <p:nvPicPr>
-          <p:cNvPr id="2" name="Picture 1">
-            <a:extLst>
-              <a:ext uri="{FF2B5EF4-FFF2-40B4-BE49-F238E27FC236}">
-                <a16:creationId xmlns:a16="http://schemas.microsoft.com/office/drawing/2014/main" id="{069C6E29-9C9C-4DD3-B56A-39E0A71FB61E}"/>
-              </a:ext>
-            </a:extLst>
-          </p:cNvPr>
-          <p:cNvPicPr>
-            <a:picLocks/>
-          </p:cNvPicPr>
-          <p:nvPr/>
-        </p:nvPicPr>
-        <p:blipFill>
-          <a:blip r:embed="rId2"/>
-          <a:stretch>
-            <a:fillRect/>
-          </a:stretch>
-        </p:blipFill>
-        <p:spPr>
-          <a:xfrm>
-            <a:off x="321564" y="450669"/>
-            <a:ext cx="5632704" cy="2852928"/>
-          </a:xfrm>
-          <a:prstGeom prst="rect">
-            <a:avLst/>
-          </a:prstGeom>
-        </p:spPr>
-      </p:pic>
-      <p:pic>
-        <p:nvPicPr>
-          <p:cNvPr id="3" name="Picture 2">
-            <a:extLst>
-              <a:ext uri="{FF2B5EF4-FFF2-40B4-BE49-F238E27FC236}">
-                <a16:creationId xmlns:a16="http://schemas.microsoft.com/office/drawing/2014/main" id="{1D1C03A6-98AB-41CE-8CBD-A747F9F8C2C6}"/>
-              </a:ext>
-            </a:extLst>
-          </p:cNvPr>
-          <p:cNvPicPr>
-            <a:picLocks/>
-          </p:cNvPicPr>
-          <p:nvPr/>
-        </p:nvPicPr>
-        <p:blipFill>
-          <a:blip r:embed="rId3"/>
-          <a:stretch>
-            <a:fillRect/>
-          </a:stretch>
-        </p:blipFill>
-        <p:spPr>
-          <a:xfrm>
-            <a:off x="6237732" y="450669"/>
-            <a:ext cx="5632704" cy="2852928"/>
-          </a:xfrm>
-          <a:prstGeom prst="rect">
-            <a:avLst/>
-          </a:prstGeom>
-        </p:spPr>
-      </p:pic>
-      <p:pic>
-        <p:nvPicPr>
-          <p:cNvPr id="4" name="Picture 3">
-            <a:extLst>
-              <a:ext uri="{FF2B5EF4-FFF2-40B4-BE49-F238E27FC236}">
-                <a16:creationId xmlns:a16="http://schemas.microsoft.com/office/drawing/2014/main" id="{9DAA7998-2BB3-4433-BCC6-EB8169E7F60F}"/>
-              </a:ext>
-            </a:extLst>
-          </p:cNvPr>
-          <p:cNvPicPr>
-            <a:picLocks/>
-          </p:cNvPicPr>
-          <p:nvPr/>
-        </p:nvPicPr>
-        <p:blipFill>
-          <a:blip r:embed="rId4"/>
-          <a:stretch>
-            <a:fillRect/>
-          </a:stretch>
-        </p:blipFill>
-        <p:spPr>
-          <a:xfrm>
-            <a:off x="463296" y="3429000"/>
-            <a:ext cx="5632704" cy="2852928"/>
-          </a:xfrm>
-          <a:prstGeom prst="rect">
-            <a:avLst/>
-          </a:prstGeom>
-        </p:spPr>
-      </p:pic>
-    </p:spTree>
-    <p:extLst>
-      <p:ext uri="{BB962C8B-B14F-4D97-AF65-F5344CB8AC3E}">
-        <p14:creationId xmlns:p14="http://schemas.microsoft.com/office/powerpoint/2010/main" val="2301371932"/>
-      </p:ext>
-    </p:extLst>
-  </p:cSld>
-  <p:clrMapOvr>
-    <a:masterClrMapping/>
-  </p:clrMapOvr>
-</p:sld>
-</file>
-
-<file path=ppt/slides/slide11.xml><?xml version="1.0" encoding="utf-8"?>
-<p:sld xmlns:a="http://schemas.openxmlformats.org/drawingml/2006/main" xmlns:r="http://schemas.openxmlformats.org/officeDocument/2006/relationships" xmlns:p="http://schemas.openxmlformats.org/presentationml/2006/main">
-  <p:cSld>
-    <p:spTree>
-      <p:nvGrpSpPr>
-        <p:cNvPr id="1" name=""/>
-        <p:cNvGrpSpPr/>
-        <p:nvPr/>
-      </p:nvGrpSpPr>
-      <p:grpSpPr>
-        <a:xfrm>
-          <a:off x="0" y="0"/>
-          <a:ext cx="0" cy="0"/>
-          <a:chOff x="0" y="0"/>
-          <a:chExt cx="0" cy="0"/>
-        </a:xfrm>
-      </p:grpSpPr>
-      <p:sp>
-        <p:nvSpPr>
-          <p:cNvPr id="27" name="Rectangle 9">
-            <a:extLst>
-              <a:ext uri="{FF2B5EF4-FFF2-40B4-BE49-F238E27FC236}">
-                <a16:creationId xmlns:a16="http://schemas.microsoft.com/office/drawing/2014/main" id="{8D70B121-56F4-4848-B38B-182089D909FA}"/>
-              </a:ext>
-              <a:ext uri="{C183D7F6-B498-43B3-948B-1728B52AA6E4}">
-                <adec:decorative xmlns:adec="http://schemas.microsoft.com/office/drawing/2017/decorative" val="1"/>
-              </a:ext>
-            </a:extLst>
-          </p:cNvPr>
-          <p:cNvSpPr>
-            <a:spLocks noGrp="1" noRot="1" noChangeAspect="1" noMove="1" noResize="1" noEditPoints="1" noAdjustHandles="1" noChangeArrowheads="1" noChangeShapeType="1" noTextEdit="1"/>
-          </p:cNvSpPr>
-          <p:nvPr>
-            <p:extLst>
-              <p:ext uri="{386F3935-93C4-4BCD-93E2-E3B085C9AB24}">
-                <p16:designElem xmlns:p16="http://schemas.microsoft.com/office/powerpoint/2015/main" val="1"/>
-              </p:ext>
-            </p:extLst>
-          </p:nvPr>
-        </p:nvSpPr>
-        <p:spPr bwMode="ltGray">
-          <a:xfrm>
-            <a:off x="321564" y="320040"/>
-            <a:ext cx="11548872" cy="6217920"/>
-          </a:xfrm>
-          <a:prstGeom prst="rect">
-            <a:avLst/>
-          </a:prstGeom>
-          <a:solidFill>
-            <a:schemeClr val="tx1">
-              <a:alpha val="8000"/>
-            </a:schemeClr>
-          </a:solidFill>
-          <a:ln w="127000" cap="sq" cmpd="thinThick">
-            <a:noFill/>
-          </a:ln>
-        </p:spPr>
-        <p:style>
-          <a:lnRef idx="2">
-            <a:schemeClr val="accent1">
-              <a:shade val="50000"/>
-            </a:schemeClr>
-          </a:lnRef>
-          <a:fillRef idx="1">
-            <a:schemeClr val="accent1"/>
-          </a:fillRef>
-          <a:effectRef idx="0">
-            <a:schemeClr val="accent1"/>
-          </a:effectRef>
-          <a:fontRef idx="minor">
-            <a:schemeClr val="lt1"/>
-          </a:fontRef>
-        </p:style>
-        <p:txBody>
-          <a:bodyPr rtlCol="0" anchor="ctr"/>
-          <a:lstStyle/>
-          <a:p>
-            <a:pPr algn="ctr"/>
-            <a:endParaRPr lang="en-US"/>
-          </a:p>
-        </p:txBody>
-      </p:sp>
-      <p:sp>
-        <p:nvSpPr>
-          <p:cNvPr id="4" name="Title 3">
-            <a:extLst>
-              <a:ext uri="{FF2B5EF4-FFF2-40B4-BE49-F238E27FC236}">
-                <a16:creationId xmlns:a16="http://schemas.microsoft.com/office/drawing/2014/main" id="{9860BD11-FBA7-4C2B-B8D3-9608DBCCD7F3}"/>
-              </a:ext>
-            </a:extLst>
-          </p:cNvPr>
-          <p:cNvSpPr>
-            <a:spLocks noGrp="1"/>
-          </p:cNvSpPr>
-          <p:nvPr>
-            <p:ph type="title"/>
-          </p:nvPr>
-        </p:nvSpPr>
-        <p:spPr>
-          <a:xfrm>
-            <a:off x="838200" y="963877"/>
-            <a:ext cx="3494362" cy="4930246"/>
-          </a:xfrm>
-        </p:spPr>
-        <p:txBody>
-          <a:bodyPr>
-            <a:normAutofit/>
-          </a:bodyPr>
-          <a:lstStyle/>
-          <a:p>
-            <a:pPr algn="r"/>
-            <a:r>
-              <a:rPr lang="en-US" dirty="0">
-                <a:solidFill>
-                  <a:schemeClr val="accent1"/>
-                </a:solidFill>
-              </a:rPr>
-              <a:t>Data Ladder-</a:t>
-            </a:r>
-            <a:br>
-              <a:rPr lang="en-US" dirty="0">
-                <a:solidFill>
-                  <a:schemeClr val="accent1"/>
-                </a:solidFill>
-              </a:rPr>
-            </a:br>
-            <a:r>
-              <a:rPr lang="en-US" dirty="0">
-                <a:solidFill>
-                  <a:schemeClr val="accent1"/>
-                </a:solidFill>
-              </a:rPr>
-              <a:t>Mortality Rate</a:t>
-            </a:r>
-            <a:br>
-              <a:rPr lang="en-US" dirty="0">
-                <a:solidFill>
-                  <a:schemeClr val="accent1"/>
-                </a:solidFill>
-              </a:rPr>
-            </a:br>
-            <a:r>
-              <a:rPr lang="en-US" dirty="0">
-                <a:solidFill>
-                  <a:schemeClr val="accent1"/>
-                </a:solidFill>
-              </a:rPr>
-              <a:t>by Group</a:t>
-            </a:r>
-          </a:p>
-        </p:txBody>
-      </p:sp>
-      <p:cxnSp>
-        <p:nvCxnSpPr>
-          <p:cNvPr id="28" name="Straight Connector 11">
-            <a:extLst>
-              <a:ext uri="{FF2B5EF4-FFF2-40B4-BE49-F238E27FC236}">
-                <a16:creationId xmlns:a16="http://schemas.microsoft.com/office/drawing/2014/main" id="{2D72A2C9-F3CA-4216-8BAD-FA4C970C3C4E}"/>
-              </a:ext>
-              <a:ext uri="{C183D7F6-B498-43B3-948B-1728B52AA6E4}">
-                <adec:decorative xmlns:adec="http://schemas.microsoft.com/office/drawing/2017/decorative" val="1"/>
-              </a:ext>
-            </a:extLst>
-          </p:cNvPr>
-          <p:cNvCxnSpPr>
-            <a:cxnSpLocks noGrp="1" noRot="1" noChangeAspect="1" noMove="1" noResize="1" noEditPoints="1" noAdjustHandles="1" noChangeArrowheads="1" noChangeShapeType="1"/>
-          </p:cNvCxnSpPr>
-          <p:nvPr>
-            <p:extLst>
-              <p:ext uri="{386F3935-93C4-4BCD-93E2-E3B085C9AB24}">
-                <p16:designElem xmlns:p16="http://schemas.microsoft.com/office/powerpoint/2015/main" val="1"/>
-              </p:ext>
-            </p:extLst>
-          </p:nvPr>
-        </p:nvCxnSpPr>
-        <p:spPr>
-          <a:xfrm>
-            <a:off x="4654296" y="2057400"/>
-            <a:ext cx="0" cy="2743200"/>
-          </a:xfrm>
-          <a:prstGeom prst="line">
-            <a:avLst/>
-          </a:prstGeom>
-          <a:ln w="19050">
-            <a:solidFill>
-              <a:schemeClr val="tx1">
-                <a:lumMod val="85000"/>
-                <a:lumOff val="15000"/>
-              </a:schemeClr>
-            </a:solidFill>
-          </a:ln>
-        </p:spPr>
-        <p:style>
-          <a:lnRef idx="1">
-            <a:schemeClr val="accent1"/>
-          </a:lnRef>
-          <a:fillRef idx="0">
-            <a:schemeClr val="accent1"/>
-          </a:fillRef>
-          <a:effectRef idx="0">
-            <a:schemeClr val="accent1"/>
-          </a:effectRef>
-          <a:fontRef idx="minor">
-            <a:schemeClr val="tx1"/>
-          </a:fontRef>
-        </p:style>
-      </p:cxnSp>
-      <p:pic>
-        <p:nvPicPr>
-          <p:cNvPr id="6" name="Picture 5">
-            <a:extLst>
-              <a:ext uri="{FF2B5EF4-FFF2-40B4-BE49-F238E27FC236}">
-                <a16:creationId xmlns:a16="http://schemas.microsoft.com/office/drawing/2014/main" id="{60E600CB-FD39-430A-B443-6A12C94852FA}"/>
-              </a:ext>
-            </a:extLst>
-          </p:cNvPr>
-          <p:cNvPicPr>
-            <a:picLocks/>
-          </p:cNvPicPr>
-          <p:nvPr/>
-        </p:nvPicPr>
-        <p:blipFill>
-          <a:blip r:embed="rId2"/>
-          <a:stretch>
-            <a:fillRect/>
-          </a:stretch>
-        </p:blipFill>
-        <p:spPr>
-          <a:xfrm>
-            <a:off x="4438631" y="504950"/>
-            <a:ext cx="3854317" cy="2924050"/>
-          </a:xfrm>
-          <a:prstGeom prst="rect">
-            <a:avLst/>
-          </a:prstGeom>
-        </p:spPr>
-      </p:pic>
-      <p:pic>
-        <p:nvPicPr>
-          <p:cNvPr id="7" name="Picture 6">
-            <a:extLst>
-              <a:ext uri="{FF2B5EF4-FFF2-40B4-BE49-F238E27FC236}">
-                <a16:creationId xmlns:a16="http://schemas.microsoft.com/office/drawing/2014/main" id="{CEFE76FB-E6E5-40AF-A3FC-338DF262842E}"/>
-              </a:ext>
-            </a:extLst>
-          </p:cNvPr>
-          <p:cNvPicPr>
-            <a:picLocks/>
-          </p:cNvPicPr>
-          <p:nvPr/>
-        </p:nvPicPr>
-        <p:blipFill>
-          <a:blip r:embed="rId3"/>
-          <a:stretch>
-            <a:fillRect/>
-          </a:stretch>
-        </p:blipFill>
-        <p:spPr>
-          <a:xfrm>
-            <a:off x="8077280" y="504950"/>
-            <a:ext cx="3858768" cy="2924050"/>
-          </a:xfrm>
-          <a:prstGeom prst="rect">
-            <a:avLst/>
-          </a:prstGeom>
-        </p:spPr>
-      </p:pic>
-      <p:sp>
-        <p:nvSpPr>
-          <p:cNvPr id="11" name="TextBox 10">
-            <a:extLst>
-              <a:ext uri="{FF2B5EF4-FFF2-40B4-BE49-F238E27FC236}">
-                <a16:creationId xmlns:a16="http://schemas.microsoft.com/office/drawing/2014/main" id="{9618C26E-6556-4673-A311-F4474BA2E9FB}"/>
-              </a:ext>
-            </a:extLst>
-          </p:cNvPr>
-          <p:cNvSpPr txBox="1"/>
-          <p:nvPr/>
-        </p:nvSpPr>
-        <p:spPr>
-          <a:xfrm>
-            <a:off x="4756282" y="3784937"/>
-            <a:ext cx="7012168" cy="2554545"/>
-          </a:xfrm>
-          <a:prstGeom prst="rect">
-            <a:avLst/>
-          </a:prstGeom>
-          <a:noFill/>
-        </p:spPr>
-        <p:txBody>
-          <a:bodyPr wrap="square" rtlCol="0">
-            <a:spAutoFit/>
-          </a:bodyPr>
-          <a:lstStyle/>
-          <a:p>
-            <a:pPr marL="285750" indent="-285750">
-              <a:buFont typeface="Wingdings" panose="05000000000000000000" pitchFamily="2" charset="2"/>
-              <a:buChar char="Ø"/>
-            </a:pPr>
-            <a:r>
-              <a:rPr lang="en-US" sz="1600" dirty="0">
-                <a:solidFill>
-                  <a:prstClr val="black"/>
-                </a:solidFill>
-                <a:latin typeface="Calibri" panose="020F0502020204030204"/>
-              </a:rPr>
-              <a:t>As Income and Education level rise, the average mortality rate shifts lower and the distribution narrows</a:t>
-            </a:r>
-          </a:p>
-          <a:p>
-            <a:pPr marL="285750" indent="-285750">
-              <a:buFont typeface="Wingdings" panose="05000000000000000000" pitchFamily="2" charset="2"/>
-              <a:buChar char="Ø"/>
-            </a:pPr>
-            <a:endParaRPr lang="en-US" sz="1600" dirty="0">
-              <a:solidFill>
-                <a:prstClr val="black"/>
-              </a:solidFill>
-              <a:latin typeface="Calibri" panose="020F0502020204030204"/>
-            </a:endParaRPr>
-          </a:p>
-          <a:p>
-            <a:pPr marL="285750" indent="-285750">
-              <a:buFont typeface="Wingdings" panose="05000000000000000000" pitchFamily="2" charset="2"/>
-              <a:buChar char="Ø"/>
-            </a:pPr>
-            <a:r>
-              <a:rPr lang="en-US" sz="1600" dirty="0">
-                <a:solidFill>
-                  <a:prstClr val="black"/>
-                </a:solidFill>
-                <a:latin typeface="Calibri" panose="020F0502020204030204"/>
-              </a:rPr>
-              <a:t>The bottom 10% of counties by median income have an average cardiovascular mortality rate </a:t>
-            </a:r>
-            <a:r>
-              <a:rPr lang="en-US" sz="1600" b="1" dirty="0">
-                <a:solidFill>
-                  <a:prstClr val="black"/>
-                </a:solidFill>
-                <a:latin typeface="Calibri" panose="020F0502020204030204"/>
-              </a:rPr>
-              <a:t>THREE TIMES </a:t>
-            </a:r>
-            <a:r>
-              <a:rPr lang="en-US" sz="1600" dirty="0">
-                <a:solidFill>
-                  <a:prstClr val="black"/>
-                </a:solidFill>
-                <a:latin typeface="Calibri" panose="020F0502020204030204"/>
-              </a:rPr>
-              <a:t>as high as the top 10% at 200 deaths per 100,000 vs only 66. Education shows a similar difference between the top and bottom</a:t>
-            </a:r>
-          </a:p>
-          <a:p>
-            <a:pPr marL="285750" indent="-285750">
-              <a:buFont typeface="Wingdings" panose="05000000000000000000" pitchFamily="2" charset="2"/>
-              <a:buChar char="Ø"/>
-            </a:pPr>
-            <a:endParaRPr lang="en-US" sz="1600" dirty="0">
-              <a:solidFill>
-                <a:prstClr val="black"/>
-              </a:solidFill>
-              <a:latin typeface="Calibri" panose="020F0502020204030204"/>
-            </a:endParaRPr>
-          </a:p>
-          <a:p>
-            <a:pPr marL="285750" indent="-285750">
-              <a:buFont typeface="Wingdings" panose="05000000000000000000" pitchFamily="2" charset="2"/>
-              <a:buChar char="Ø"/>
-            </a:pPr>
-            <a:r>
-              <a:rPr lang="en-US" sz="1600" dirty="0">
-                <a:solidFill>
-                  <a:prstClr val="black"/>
-                </a:solidFill>
-                <a:latin typeface="Calibri" panose="020F0502020204030204"/>
-              </a:rPr>
-              <a:t>Counties in the bottom groups have a wider range of distribution in mortality rate. Making the correlation of mortality rate and income/education level less apparent.</a:t>
-            </a:r>
-          </a:p>
-        </p:txBody>
-      </p:sp>
-    </p:spTree>
-    <p:extLst>
-      <p:ext uri="{BB962C8B-B14F-4D97-AF65-F5344CB8AC3E}">
-        <p14:creationId xmlns:p14="http://schemas.microsoft.com/office/powerpoint/2010/main" val="3894170224"/>
-      </p:ext>
-    </p:extLst>
-  </p:cSld>
-  <p:clrMapOvr>
-    <a:masterClrMapping/>
-  </p:clrMapOvr>
-</p:sld>
-</file>
-
-<file path=ppt/slides/slide12.xml><?xml version="1.0" encoding="utf-8"?>
-<p:sld xmlns:a="http://schemas.openxmlformats.org/drawingml/2006/main" xmlns:r="http://schemas.openxmlformats.org/officeDocument/2006/relationships" xmlns:p="http://schemas.openxmlformats.org/presentationml/2006/main">
-  <p:cSld>
-    <p:bg>
-      <p:bgPr>
-        <a:solidFill>
-          <a:schemeClr val="bg1"/>
-        </a:solidFill>
-        <a:effectLst/>
-      </p:bgPr>
-    </p:bg>
-    <p:spTree>
-      <p:nvGrpSpPr>
-        <p:cNvPr id="1" name=""/>
-        <p:cNvGrpSpPr/>
-        <p:nvPr/>
-      </p:nvGrpSpPr>
-      <p:grpSpPr>
-        <a:xfrm>
-          <a:off x="0" y="0"/>
-          <a:ext cx="0" cy="0"/>
-          <a:chOff x="0" y="0"/>
-          <a:chExt cx="0" cy="0"/>
-        </a:xfrm>
-      </p:grpSpPr>
-      <p:sp>
-        <p:nvSpPr>
-          <p:cNvPr id="27" name="Rectangle 9">
-            <a:extLst>
-              <a:ext uri="{FF2B5EF4-FFF2-40B4-BE49-F238E27FC236}">
-                <a16:creationId xmlns:a16="http://schemas.microsoft.com/office/drawing/2014/main" id="{8D70B121-56F4-4848-B38B-182089D909FA}"/>
-              </a:ext>
-              <a:ext uri="{C183D7F6-B498-43B3-948B-1728B52AA6E4}">
-                <adec:decorative xmlns:adec="http://schemas.microsoft.com/office/drawing/2017/decorative" val="1"/>
-              </a:ext>
-            </a:extLst>
-          </p:cNvPr>
-          <p:cNvSpPr>
-            <a:spLocks noGrp="1" noRot="1" noChangeAspect="1" noMove="1" noResize="1" noEditPoints="1" noAdjustHandles="1" noChangeArrowheads="1" noChangeShapeType="1" noTextEdit="1"/>
-          </p:cNvSpPr>
-          <p:nvPr>
-            <p:extLst>
-              <p:ext uri="{386F3935-93C4-4BCD-93E2-E3B085C9AB24}">
-                <p16:designElem xmlns:p16="http://schemas.microsoft.com/office/powerpoint/2015/main" val="1"/>
-              </p:ext>
-            </p:extLst>
-          </p:nvPr>
-        </p:nvSpPr>
-        <p:spPr bwMode="ltGray">
-          <a:xfrm>
-            <a:off x="321564" y="320040"/>
-            <a:ext cx="11548872" cy="6217920"/>
-          </a:xfrm>
-          <a:prstGeom prst="rect">
-            <a:avLst/>
-          </a:prstGeom>
-          <a:solidFill>
-            <a:schemeClr val="tx1">
-              <a:alpha val="8000"/>
-            </a:schemeClr>
-          </a:solidFill>
-          <a:ln w="127000" cap="sq" cmpd="thinThick">
-            <a:noFill/>
-          </a:ln>
-        </p:spPr>
-        <p:style>
-          <a:lnRef idx="2">
-            <a:schemeClr val="accent1">
-              <a:shade val="50000"/>
-            </a:schemeClr>
-          </a:lnRef>
-          <a:fillRef idx="1">
-            <a:schemeClr val="accent1"/>
-          </a:fillRef>
-          <a:effectRef idx="0">
-            <a:schemeClr val="accent1"/>
-          </a:effectRef>
-          <a:fontRef idx="minor">
-            <a:schemeClr val="lt1"/>
-          </a:fontRef>
-        </p:style>
-        <p:txBody>
-          <a:bodyPr rtlCol="0" anchor="ctr"/>
-          <a:lstStyle/>
-          <a:p>
-            <a:pPr algn="ctr"/>
-            <a:endParaRPr lang="en-US"/>
-          </a:p>
-        </p:txBody>
-      </p:sp>
-      <p:sp>
-        <p:nvSpPr>
-          <p:cNvPr id="4" name="Title 3">
-            <a:extLst>
-              <a:ext uri="{FF2B5EF4-FFF2-40B4-BE49-F238E27FC236}">
-                <a16:creationId xmlns:a16="http://schemas.microsoft.com/office/drawing/2014/main" id="{9860BD11-FBA7-4C2B-B8D3-9608DBCCD7F3}"/>
-              </a:ext>
-            </a:extLst>
-          </p:cNvPr>
-          <p:cNvSpPr>
-            <a:spLocks noGrp="1"/>
-          </p:cNvSpPr>
-          <p:nvPr>
-            <p:ph type="title"/>
-          </p:nvPr>
-        </p:nvSpPr>
-        <p:spPr>
-          <a:xfrm>
-            <a:off x="838200" y="963877"/>
-            <a:ext cx="3494362" cy="4930246"/>
-          </a:xfrm>
-        </p:spPr>
-        <p:txBody>
-          <a:bodyPr>
-            <a:normAutofit/>
-          </a:bodyPr>
-          <a:lstStyle/>
-          <a:p>
-            <a:pPr algn="r"/>
-            <a:r>
-              <a:rPr lang="en-US" dirty="0">
-                <a:solidFill>
-                  <a:schemeClr val="accent1"/>
-                </a:solidFill>
-              </a:rPr>
-              <a:t>Answers to our Questions</a:t>
-            </a:r>
-          </a:p>
-        </p:txBody>
-      </p:sp>
-      <p:cxnSp>
-        <p:nvCxnSpPr>
-          <p:cNvPr id="28" name="Straight Connector 11">
-            <a:extLst>
-              <a:ext uri="{FF2B5EF4-FFF2-40B4-BE49-F238E27FC236}">
-                <a16:creationId xmlns:a16="http://schemas.microsoft.com/office/drawing/2014/main" id="{2D72A2C9-F3CA-4216-8BAD-FA4C970C3C4E}"/>
-              </a:ext>
-              <a:ext uri="{C183D7F6-B498-43B3-948B-1728B52AA6E4}">
-                <adec:decorative xmlns:adec="http://schemas.microsoft.com/office/drawing/2017/decorative" val="1"/>
-              </a:ext>
-            </a:extLst>
-          </p:cNvPr>
-          <p:cNvCxnSpPr>
-            <a:cxnSpLocks noGrp="1" noRot="1" noChangeAspect="1" noMove="1" noResize="1" noEditPoints="1" noAdjustHandles="1" noChangeArrowheads="1" noChangeShapeType="1"/>
-          </p:cNvCxnSpPr>
-          <p:nvPr>
-            <p:extLst>
-              <p:ext uri="{386F3935-93C4-4BCD-93E2-E3B085C9AB24}">
-                <p16:designElem xmlns:p16="http://schemas.microsoft.com/office/powerpoint/2015/main" val="1"/>
-              </p:ext>
-            </p:extLst>
-          </p:nvPr>
-        </p:nvCxnSpPr>
-        <p:spPr>
-          <a:xfrm>
-            <a:off x="4654296" y="2057400"/>
-            <a:ext cx="0" cy="2743200"/>
-          </a:xfrm>
-          <a:prstGeom prst="line">
-            <a:avLst/>
-          </a:prstGeom>
-          <a:ln w="19050">
-            <a:solidFill>
-              <a:schemeClr val="tx1">
-                <a:lumMod val="85000"/>
-                <a:lumOff val="15000"/>
-              </a:schemeClr>
-            </a:solidFill>
-          </a:ln>
-        </p:spPr>
-        <p:style>
-          <a:lnRef idx="1">
-            <a:schemeClr val="accent1"/>
-          </a:lnRef>
-          <a:fillRef idx="0">
-            <a:schemeClr val="accent1"/>
-          </a:fillRef>
-          <a:effectRef idx="0">
-            <a:schemeClr val="accent1"/>
-          </a:effectRef>
-          <a:fontRef idx="minor">
-            <a:schemeClr val="tx1"/>
-          </a:fontRef>
-        </p:style>
-      </p:cxnSp>
-      <p:sp>
-        <p:nvSpPr>
-          <p:cNvPr id="29" name="Content Placeholder 4">
-            <a:extLst>
-              <a:ext uri="{FF2B5EF4-FFF2-40B4-BE49-F238E27FC236}">
-                <a16:creationId xmlns:a16="http://schemas.microsoft.com/office/drawing/2014/main" id="{1B9863A8-8D16-4F37-95A3-2D43EBDADF19}"/>
-              </a:ext>
-            </a:extLst>
-          </p:cNvPr>
-          <p:cNvSpPr>
-            <a:spLocks noGrp="1"/>
-          </p:cNvSpPr>
-          <p:nvPr>
-            <p:ph idx="1"/>
-          </p:nvPr>
-        </p:nvSpPr>
-        <p:spPr>
-          <a:xfrm>
-            <a:off x="4976031" y="821093"/>
-            <a:ext cx="6377769" cy="5418262"/>
+            <a:off x="4976031" y="963877"/>
+            <a:ext cx="6377769" cy="4930246"/>
           </a:xfrm>
         </p:spPr>
         <p:txBody>
@@ -5058,782 +4302,15 @@
           </a:bodyPr>
           <a:lstStyle/>
           <a:p>
+            <a:endParaRPr lang="en-US" sz="2400" dirty="0"/>
+          </a:p>
+          <a:p>
             <a:pPr marL="0" indent="0">
               <a:buNone/>
             </a:pPr>
             <a:r>
               <a:rPr lang="en-US" sz="2400" dirty="0"/>
-              <a:t>Are there geographic differences in rates of cardiovascular mortality?</a:t>
-            </a:r>
-          </a:p>
-          <a:p>
-            <a:pPr marL="457200" lvl="1" indent="0">
-              <a:buNone/>
-            </a:pPr>
-            <a:r>
-              <a:rPr lang="en-US" sz="2000" dirty="0"/>
-              <a:t>Yes. The mid-south “stroke belt” had much higher average county mortality rates than other regions</a:t>
-            </a:r>
-          </a:p>
-          <a:p>
-            <a:pPr marL="457200" lvl="1" indent="0">
-              <a:buNone/>
-            </a:pPr>
-            <a:endParaRPr lang="en-US" sz="1800" dirty="0"/>
-          </a:p>
-          <a:p>
-            <a:pPr marL="0" indent="0">
-              <a:buNone/>
-            </a:pPr>
-            <a:r>
-              <a:rPr lang="en-US" sz="2400" dirty="0"/>
-              <a:t>Do counties with lower education levels have higher rates of cardiovascular mortality?</a:t>
-            </a:r>
-          </a:p>
-          <a:p>
-            <a:pPr marL="457200" lvl="1" indent="0">
-              <a:buNone/>
-            </a:pPr>
-            <a:r>
-              <a:rPr lang="en-US" sz="2000" dirty="0"/>
-              <a:t>Yes. The average mortality rate for the bottom 10% of counties by mean years of school was 2.7 times that of the top 10% </a:t>
-            </a:r>
-          </a:p>
-          <a:p>
-            <a:pPr marL="457200" lvl="1" indent="0">
-              <a:buNone/>
-            </a:pPr>
-            <a:endParaRPr lang="en-US" sz="1800" dirty="0"/>
-          </a:p>
-          <a:p>
-            <a:pPr marL="0" indent="0">
-              <a:buNone/>
-            </a:pPr>
-            <a:r>
-              <a:rPr lang="en-US" sz="2400" dirty="0"/>
-              <a:t>Do counties with lower incomes have higher rates of cardiovascular mortality?</a:t>
-            </a:r>
-          </a:p>
-          <a:p>
-            <a:pPr marL="457200" lvl="1" indent="0">
-              <a:buNone/>
-            </a:pPr>
-            <a:r>
-              <a:rPr lang="en-US" sz="2000" dirty="0"/>
-              <a:t>Yes. The average mortality rate for the bottom 10% of counties by median income was 3 times that of the top 10%</a:t>
-            </a:r>
-          </a:p>
-        </p:txBody>
-      </p:sp>
-    </p:spTree>
-    <p:extLst>
-      <p:ext uri="{BB962C8B-B14F-4D97-AF65-F5344CB8AC3E}">
-        <p14:creationId xmlns:p14="http://schemas.microsoft.com/office/powerpoint/2010/main" val="1487741666"/>
-      </p:ext>
-    </p:extLst>
-  </p:cSld>
-  <p:clrMapOvr>
-    <a:masterClrMapping/>
-  </p:clrMapOvr>
-</p:sld>
-</file>
-
-<file path=ppt/slides/slide13.xml><?xml version="1.0" encoding="utf-8"?>
-<p:sld xmlns:a="http://schemas.openxmlformats.org/drawingml/2006/main" xmlns:r="http://schemas.openxmlformats.org/officeDocument/2006/relationships" xmlns:p="http://schemas.openxmlformats.org/presentationml/2006/main">
-  <p:cSld>
-    <p:bg>
-      <p:bgPr>
-        <a:solidFill>
-          <a:schemeClr val="bg1"/>
-        </a:solidFill>
-        <a:effectLst/>
-      </p:bgPr>
-    </p:bg>
-    <p:spTree>
-      <p:nvGrpSpPr>
-        <p:cNvPr id="1" name=""/>
-        <p:cNvGrpSpPr/>
-        <p:nvPr/>
-      </p:nvGrpSpPr>
-      <p:grpSpPr>
-        <a:xfrm>
-          <a:off x="0" y="0"/>
-          <a:ext cx="0" cy="0"/>
-          <a:chOff x="0" y="0"/>
-          <a:chExt cx="0" cy="0"/>
-        </a:xfrm>
-      </p:grpSpPr>
-      <p:sp>
-        <p:nvSpPr>
-          <p:cNvPr id="27" name="Rectangle 9">
-            <a:extLst>
-              <a:ext uri="{FF2B5EF4-FFF2-40B4-BE49-F238E27FC236}">
-                <a16:creationId xmlns:a16="http://schemas.microsoft.com/office/drawing/2014/main" id="{8D70B121-56F4-4848-B38B-182089D909FA}"/>
-              </a:ext>
-              <a:ext uri="{C183D7F6-B498-43B3-948B-1728B52AA6E4}">
-                <adec:decorative xmlns:adec="http://schemas.microsoft.com/office/drawing/2017/decorative" val="1"/>
-              </a:ext>
-            </a:extLst>
-          </p:cNvPr>
-          <p:cNvSpPr>
-            <a:spLocks noGrp="1" noRot="1" noChangeAspect="1" noMove="1" noResize="1" noEditPoints="1" noAdjustHandles="1" noChangeArrowheads="1" noChangeShapeType="1" noTextEdit="1"/>
-          </p:cNvSpPr>
-          <p:nvPr>
-            <p:extLst>
-              <p:ext uri="{386F3935-93C4-4BCD-93E2-E3B085C9AB24}">
-                <p16:designElem xmlns:p16="http://schemas.microsoft.com/office/powerpoint/2015/main" val="1"/>
-              </p:ext>
-            </p:extLst>
-          </p:nvPr>
-        </p:nvSpPr>
-        <p:spPr bwMode="ltGray">
-          <a:xfrm>
-            <a:off x="321564" y="320040"/>
-            <a:ext cx="11548872" cy="6217920"/>
-          </a:xfrm>
-          <a:prstGeom prst="rect">
-            <a:avLst/>
-          </a:prstGeom>
-          <a:solidFill>
-            <a:schemeClr val="tx1">
-              <a:alpha val="8000"/>
-            </a:schemeClr>
-          </a:solidFill>
-          <a:ln w="127000" cap="sq" cmpd="thinThick">
-            <a:noFill/>
-          </a:ln>
-        </p:spPr>
-        <p:style>
-          <a:lnRef idx="2">
-            <a:schemeClr val="accent1">
-              <a:shade val="50000"/>
-            </a:schemeClr>
-          </a:lnRef>
-          <a:fillRef idx="1">
-            <a:schemeClr val="accent1"/>
-          </a:fillRef>
-          <a:effectRef idx="0">
-            <a:schemeClr val="accent1"/>
-          </a:effectRef>
-          <a:fontRef idx="minor">
-            <a:schemeClr val="lt1"/>
-          </a:fontRef>
-        </p:style>
-        <p:txBody>
-          <a:bodyPr rtlCol="0" anchor="ctr"/>
-          <a:lstStyle/>
-          <a:p>
-            <a:pPr algn="ctr"/>
-            <a:endParaRPr lang="en-US"/>
-          </a:p>
-        </p:txBody>
-      </p:sp>
-      <p:sp>
-        <p:nvSpPr>
-          <p:cNvPr id="4" name="Title 3">
-            <a:extLst>
-              <a:ext uri="{FF2B5EF4-FFF2-40B4-BE49-F238E27FC236}">
-                <a16:creationId xmlns:a16="http://schemas.microsoft.com/office/drawing/2014/main" id="{9860BD11-FBA7-4C2B-B8D3-9608DBCCD7F3}"/>
-              </a:ext>
-            </a:extLst>
-          </p:cNvPr>
-          <p:cNvSpPr>
-            <a:spLocks noGrp="1"/>
-          </p:cNvSpPr>
-          <p:nvPr>
-            <p:ph type="title"/>
-          </p:nvPr>
-        </p:nvSpPr>
-        <p:spPr>
-          <a:xfrm>
-            <a:off x="838200" y="963877"/>
-            <a:ext cx="3494362" cy="4930246"/>
-          </a:xfrm>
-        </p:spPr>
-        <p:txBody>
-          <a:bodyPr>
-            <a:normAutofit/>
-          </a:bodyPr>
-          <a:lstStyle/>
-          <a:p>
-            <a:pPr algn="r"/>
-            <a:r>
-              <a:rPr lang="en-US" dirty="0">
-                <a:solidFill>
-                  <a:schemeClr val="accent1"/>
-                </a:solidFill>
-              </a:rPr>
-              <a:t>Caution Regarding the Conclusion</a:t>
-            </a:r>
-          </a:p>
-        </p:txBody>
-      </p:sp>
-      <p:cxnSp>
-        <p:nvCxnSpPr>
-          <p:cNvPr id="28" name="Straight Connector 11">
-            <a:extLst>
-              <a:ext uri="{FF2B5EF4-FFF2-40B4-BE49-F238E27FC236}">
-                <a16:creationId xmlns:a16="http://schemas.microsoft.com/office/drawing/2014/main" id="{2D72A2C9-F3CA-4216-8BAD-FA4C970C3C4E}"/>
-              </a:ext>
-              <a:ext uri="{C183D7F6-B498-43B3-948B-1728B52AA6E4}">
-                <adec:decorative xmlns:adec="http://schemas.microsoft.com/office/drawing/2017/decorative" val="1"/>
-              </a:ext>
-            </a:extLst>
-          </p:cNvPr>
-          <p:cNvCxnSpPr>
-            <a:cxnSpLocks noGrp="1" noRot="1" noChangeAspect="1" noMove="1" noResize="1" noEditPoints="1" noAdjustHandles="1" noChangeArrowheads="1" noChangeShapeType="1"/>
-          </p:cNvCxnSpPr>
-          <p:nvPr>
-            <p:extLst>
-              <p:ext uri="{386F3935-93C4-4BCD-93E2-E3B085C9AB24}">
-                <p16:designElem xmlns:p16="http://schemas.microsoft.com/office/powerpoint/2015/main" val="1"/>
-              </p:ext>
-            </p:extLst>
-          </p:nvPr>
-        </p:nvCxnSpPr>
-        <p:spPr>
-          <a:xfrm>
-            <a:off x="4654296" y="2057400"/>
-            <a:ext cx="0" cy="2743200"/>
-          </a:xfrm>
-          <a:prstGeom prst="line">
-            <a:avLst/>
-          </a:prstGeom>
-          <a:ln w="19050">
-            <a:solidFill>
-              <a:schemeClr val="tx1">
-                <a:lumMod val="85000"/>
-                <a:lumOff val="15000"/>
-              </a:schemeClr>
-            </a:solidFill>
-          </a:ln>
-        </p:spPr>
-        <p:style>
-          <a:lnRef idx="1">
-            <a:schemeClr val="accent1"/>
-          </a:lnRef>
-          <a:fillRef idx="0">
-            <a:schemeClr val="accent1"/>
-          </a:fillRef>
-          <a:effectRef idx="0">
-            <a:schemeClr val="accent1"/>
-          </a:effectRef>
-          <a:fontRef idx="minor">
-            <a:schemeClr val="tx1"/>
-          </a:fontRef>
-        </p:style>
-      </p:cxnSp>
-      <p:pic>
-        <p:nvPicPr>
-          <p:cNvPr id="11" name="Picture 10">
-            <a:extLst>
-              <a:ext uri="{FF2B5EF4-FFF2-40B4-BE49-F238E27FC236}">
-                <a16:creationId xmlns:a16="http://schemas.microsoft.com/office/drawing/2014/main" id="{4CBA37BD-C3FD-4585-BDBD-7D9360C25AF2}"/>
-              </a:ext>
-            </a:extLst>
-          </p:cNvPr>
-          <p:cNvPicPr>
-            <a:picLocks noChangeAspect="1"/>
-          </p:cNvPicPr>
-          <p:nvPr/>
-        </p:nvPicPr>
-        <p:blipFill rotWithShape="1">
-          <a:blip r:embed="rId2"/>
-          <a:srcRect r="79180" b="77833"/>
-          <a:stretch/>
-        </p:blipFill>
-        <p:spPr>
-          <a:xfrm>
-            <a:off x="10116962" y="5260608"/>
-            <a:ext cx="1586736" cy="1267030"/>
-          </a:xfrm>
-          <a:prstGeom prst="rect">
-            <a:avLst/>
-          </a:prstGeom>
-        </p:spPr>
-      </p:pic>
-      <p:sp>
-        <p:nvSpPr>
-          <p:cNvPr id="12" name="TextBox 11">
-            <a:extLst>
-              <a:ext uri="{FF2B5EF4-FFF2-40B4-BE49-F238E27FC236}">
-                <a16:creationId xmlns:a16="http://schemas.microsoft.com/office/drawing/2014/main" id="{2BD2A8FC-BF66-4027-A02C-CF590335EE3F}"/>
-              </a:ext>
-            </a:extLst>
-          </p:cNvPr>
-          <p:cNvSpPr txBox="1"/>
-          <p:nvPr/>
-        </p:nvSpPr>
-        <p:spPr>
-          <a:xfrm>
-            <a:off x="4813865" y="1556967"/>
-            <a:ext cx="6897002" cy="3693319"/>
-          </a:xfrm>
-          <a:prstGeom prst="rect">
-            <a:avLst/>
-          </a:prstGeom>
-          <a:noFill/>
-        </p:spPr>
-        <p:txBody>
-          <a:bodyPr wrap="square" rtlCol="0">
-            <a:spAutoFit/>
-          </a:bodyPr>
-          <a:lstStyle/>
-          <a:p>
-            <a:r>
-              <a:rPr lang="en-US" dirty="0">
-                <a:solidFill>
-                  <a:prstClr val="black"/>
-                </a:solidFill>
-                <a:latin typeface="Calibri" panose="020F0502020204030204"/>
-              </a:rPr>
-              <a:t>This only provides a high level view of avertable deaths. It serves as a reminder for people about the importance of socioeconomic determinants of health, but there are many other outside factors that will affect mortality rates.</a:t>
-            </a:r>
-          </a:p>
-          <a:p>
-            <a:endParaRPr lang="en-US" dirty="0">
-              <a:solidFill>
-                <a:prstClr val="black"/>
-              </a:solidFill>
-              <a:latin typeface="Calibri" panose="020F0502020204030204"/>
-            </a:endParaRPr>
-          </a:p>
-          <a:p>
-            <a:r>
-              <a:rPr lang="en-US" dirty="0">
-                <a:solidFill>
-                  <a:prstClr val="black"/>
-                </a:solidFill>
-                <a:latin typeface="Calibri" panose="020F0502020204030204"/>
-              </a:rPr>
-              <a:t>The data is from 2012 – 2016 which may not reflect the current economy or current condition in the county. The data gathered is based on mortality rates within each county from cardiovascular diseases, but one cannot assume that all the deaths or heart disease can be prevented by education or income alone. There are many other outside factors such as living and working conditions, cleaner air and drinking water, access to nutritious food, crime rate, etc. All of these factors increase a person’s chances of living a healthier, longer life.</a:t>
-            </a:r>
-          </a:p>
-        </p:txBody>
-      </p:sp>
-    </p:spTree>
-    <p:extLst>
-      <p:ext uri="{BB962C8B-B14F-4D97-AF65-F5344CB8AC3E}">
-        <p14:creationId xmlns:p14="http://schemas.microsoft.com/office/powerpoint/2010/main" val="2373882925"/>
-      </p:ext>
-    </p:extLst>
-  </p:cSld>
-  <p:clrMapOvr>
-    <a:masterClrMapping/>
-  </p:clrMapOvr>
-</p:sld>
-</file>
-
-<file path=ppt/slides/slide14.xml><?xml version="1.0" encoding="utf-8"?>
-<p:sld xmlns:a="http://schemas.openxmlformats.org/drawingml/2006/main" xmlns:r="http://schemas.openxmlformats.org/officeDocument/2006/relationships" xmlns:p="http://schemas.openxmlformats.org/presentationml/2006/main">
-  <p:cSld>
-    <p:bg>
-      <p:bgPr>
-        <a:solidFill>
-          <a:schemeClr val="bg1"/>
-        </a:solidFill>
-        <a:effectLst/>
-      </p:bgPr>
-    </p:bg>
-    <p:spTree>
-      <p:nvGrpSpPr>
-        <p:cNvPr id="1" name=""/>
-        <p:cNvGrpSpPr/>
-        <p:nvPr/>
-      </p:nvGrpSpPr>
-      <p:grpSpPr>
-        <a:xfrm>
-          <a:off x="0" y="0"/>
-          <a:ext cx="0" cy="0"/>
-          <a:chOff x="0" y="0"/>
-          <a:chExt cx="0" cy="0"/>
-        </a:xfrm>
-      </p:grpSpPr>
-      <p:sp>
-        <p:nvSpPr>
-          <p:cNvPr id="27" name="Rectangle 9">
-            <a:extLst>
-              <a:ext uri="{FF2B5EF4-FFF2-40B4-BE49-F238E27FC236}">
-                <a16:creationId xmlns:a16="http://schemas.microsoft.com/office/drawing/2014/main" id="{8D70B121-56F4-4848-B38B-182089D909FA}"/>
-              </a:ext>
-              <a:ext uri="{C183D7F6-B498-43B3-948B-1728B52AA6E4}">
-                <adec:decorative xmlns:adec="http://schemas.microsoft.com/office/drawing/2017/decorative" val="1"/>
-              </a:ext>
-            </a:extLst>
-          </p:cNvPr>
-          <p:cNvSpPr>
-            <a:spLocks noGrp="1" noRot="1" noChangeAspect="1" noMove="1" noResize="1" noEditPoints="1" noAdjustHandles="1" noChangeArrowheads="1" noChangeShapeType="1" noTextEdit="1"/>
-          </p:cNvSpPr>
-          <p:nvPr>
-            <p:extLst>
-              <p:ext uri="{386F3935-93C4-4BCD-93E2-E3B085C9AB24}">
-                <p16:designElem xmlns:p16="http://schemas.microsoft.com/office/powerpoint/2015/main" val="1"/>
-              </p:ext>
-            </p:extLst>
-          </p:nvPr>
-        </p:nvSpPr>
-        <p:spPr bwMode="ltGray">
-          <a:xfrm>
-            <a:off x="321564" y="320040"/>
-            <a:ext cx="11548872" cy="6217920"/>
-          </a:xfrm>
-          <a:prstGeom prst="rect">
-            <a:avLst/>
-          </a:prstGeom>
-          <a:solidFill>
-            <a:schemeClr val="tx1">
-              <a:alpha val="8000"/>
-            </a:schemeClr>
-          </a:solidFill>
-          <a:ln w="127000" cap="sq" cmpd="thinThick">
-            <a:noFill/>
-          </a:ln>
-        </p:spPr>
-        <p:style>
-          <a:lnRef idx="2">
-            <a:schemeClr val="accent1">
-              <a:shade val="50000"/>
-            </a:schemeClr>
-          </a:lnRef>
-          <a:fillRef idx="1">
-            <a:schemeClr val="accent1"/>
-          </a:fillRef>
-          <a:effectRef idx="0">
-            <a:schemeClr val="accent1"/>
-          </a:effectRef>
-          <a:fontRef idx="minor">
-            <a:schemeClr val="lt1"/>
-          </a:fontRef>
-        </p:style>
-        <p:txBody>
-          <a:bodyPr rtlCol="0" anchor="ctr"/>
-          <a:lstStyle/>
-          <a:p>
-            <a:pPr algn="ctr"/>
-            <a:endParaRPr lang="en-US"/>
-          </a:p>
-        </p:txBody>
-      </p:sp>
-      <p:cxnSp>
-        <p:nvCxnSpPr>
-          <p:cNvPr id="28" name="Straight Connector 11" hidden="1">
-            <a:extLst>
-              <a:ext uri="{FF2B5EF4-FFF2-40B4-BE49-F238E27FC236}">
-                <a16:creationId xmlns:a16="http://schemas.microsoft.com/office/drawing/2014/main" id="{2D72A2C9-F3CA-4216-8BAD-FA4C970C3C4E}"/>
-              </a:ext>
-              <a:ext uri="{C183D7F6-B498-43B3-948B-1728B52AA6E4}">
-                <adec:decorative xmlns:adec="http://schemas.microsoft.com/office/drawing/2017/decorative" val="1"/>
-              </a:ext>
-            </a:extLst>
-          </p:cNvPr>
-          <p:cNvCxnSpPr>
-            <a:cxnSpLocks noGrp="1" noRot="1" noChangeAspect="1" noMove="1" noResize="1" noEditPoints="1" noAdjustHandles="1" noChangeArrowheads="1" noChangeShapeType="1"/>
-          </p:cNvCxnSpPr>
-          <p:nvPr>
-            <p:extLst>
-              <p:ext uri="{386F3935-93C4-4BCD-93E2-E3B085C9AB24}">
-                <p16:designElem xmlns:p16="http://schemas.microsoft.com/office/powerpoint/2015/main" val="1"/>
-              </p:ext>
-            </p:extLst>
-          </p:nvPr>
-        </p:nvCxnSpPr>
-        <p:spPr>
-          <a:xfrm>
-            <a:off x="4654296" y="2057400"/>
-            <a:ext cx="0" cy="2743200"/>
-          </a:xfrm>
-          <a:prstGeom prst="line">
-            <a:avLst/>
-          </a:prstGeom>
-          <a:ln w="19050">
-            <a:solidFill>
-              <a:schemeClr val="tx1">
-                <a:lumMod val="85000"/>
-                <a:lumOff val="15000"/>
-              </a:schemeClr>
-            </a:solidFill>
-          </a:ln>
-        </p:spPr>
-        <p:style>
-          <a:lnRef idx="1">
-            <a:schemeClr val="accent1"/>
-          </a:lnRef>
-          <a:fillRef idx="0">
-            <a:schemeClr val="accent1"/>
-          </a:fillRef>
-          <a:effectRef idx="0">
-            <a:schemeClr val="accent1"/>
-          </a:effectRef>
-          <a:fontRef idx="minor">
-            <a:schemeClr val="tx1"/>
-          </a:fontRef>
-        </p:style>
-      </p:cxnSp>
-      <p:pic>
-        <p:nvPicPr>
-          <p:cNvPr id="6" name="Picture 5">
-            <a:extLst>
-              <a:ext uri="{FF2B5EF4-FFF2-40B4-BE49-F238E27FC236}">
-                <a16:creationId xmlns:a16="http://schemas.microsoft.com/office/drawing/2014/main" id="{FFE08C8F-CE6C-4431-92CA-3135813C716D}"/>
-              </a:ext>
-            </a:extLst>
-          </p:cNvPr>
-          <p:cNvPicPr>
-            <a:picLocks noChangeAspect="1"/>
-          </p:cNvPicPr>
-          <p:nvPr/>
-        </p:nvPicPr>
-        <p:blipFill>
-          <a:blip r:embed="rId2"/>
-          <a:stretch>
-            <a:fillRect/>
-          </a:stretch>
-        </p:blipFill>
-        <p:spPr>
-          <a:xfrm>
-            <a:off x="3680737" y="924697"/>
-            <a:ext cx="6722895" cy="5008605"/>
-          </a:xfrm>
-          <a:prstGeom prst="rect">
-            <a:avLst/>
-          </a:prstGeom>
-        </p:spPr>
-      </p:pic>
-    </p:spTree>
-    <p:extLst>
-      <p:ext uri="{BB962C8B-B14F-4D97-AF65-F5344CB8AC3E}">
-        <p14:creationId xmlns:p14="http://schemas.microsoft.com/office/powerpoint/2010/main" val="1659668192"/>
-      </p:ext>
-    </p:extLst>
-  </p:cSld>
-  <p:clrMapOvr>
-    <a:masterClrMapping/>
-  </p:clrMapOvr>
-</p:sld>
-</file>
-
-<file path=ppt/slides/slide2.xml><?xml version="1.0" encoding="utf-8"?>
-<p:sld xmlns:a="http://schemas.openxmlformats.org/drawingml/2006/main" xmlns:r="http://schemas.openxmlformats.org/officeDocument/2006/relationships" xmlns:p="http://schemas.openxmlformats.org/presentationml/2006/main">
-  <p:cSld>
-    <p:bg>
-      <p:bgPr>
-        <a:solidFill>
-          <a:schemeClr val="bg1"/>
-        </a:solidFill>
-        <a:effectLst/>
-      </p:bgPr>
-    </p:bg>
-    <p:spTree>
-      <p:nvGrpSpPr>
-        <p:cNvPr id="1" name=""/>
-        <p:cNvGrpSpPr/>
-        <p:nvPr/>
-      </p:nvGrpSpPr>
-      <p:grpSpPr>
-        <a:xfrm>
-          <a:off x="0" y="0"/>
-          <a:ext cx="0" cy="0"/>
-          <a:chOff x="0" y="0"/>
-          <a:chExt cx="0" cy="0"/>
-        </a:xfrm>
-      </p:grpSpPr>
-      <p:sp>
-        <p:nvSpPr>
-          <p:cNvPr id="27" name="Rectangle 9">
-            <a:extLst>
-              <a:ext uri="{FF2B5EF4-FFF2-40B4-BE49-F238E27FC236}">
-                <a16:creationId xmlns:a16="http://schemas.microsoft.com/office/drawing/2014/main" id="{8D70B121-56F4-4848-B38B-182089D909FA}"/>
-              </a:ext>
-              <a:ext uri="{C183D7F6-B498-43B3-948B-1728B52AA6E4}">
-                <adec:decorative xmlns:adec="http://schemas.microsoft.com/office/drawing/2017/decorative" val="1"/>
-              </a:ext>
-            </a:extLst>
-          </p:cNvPr>
-          <p:cNvSpPr>
-            <a:spLocks noGrp="1" noRot="1" noChangeAspect="1" noMove="1" noResize="1" noEditPoints="1" noAdjustHandles="1" noChangeArrowheads="1" noChangeShapeType="1" noTextEdit="1"/>
-          </p:cNvSpPr>
-          <p:nvPr>
-            <p:extLst>
-              <p:ext uri="{386F3935-93C4-4BCD-93E2-E3B085C9AB24}">
-                <p16:designElem xmlns:p16="http://schemas.microsoft.com/office/powerpoint/2015/main" val="1"/>
-              </p:ext>
-            </p:extLst>
-          </p:nvPr>
-        </p:nvSpPr>
-        <p:spPr bwMode="ltGray">
-          <a:xfrm>
-            <a:off x="321564" y="320040"/>
-            <a:ext cx="11548872" cy="6217920"/>
-          </a:xfrm>
-          <a:prstGeom prst="rect">
-            <a:avLst/>
-          </a:prstGeom>
-          <a:solidFill>
-            <a:schemeClr val="tx1">
-              <a:alpha val="8000"/>
-            </a:schemeClr>
-          </a:solidFill>
-          <a:ln w="127000" cap="sq" cmpd="thinThick">
-            <a:noFill/>
-          </a:ln>
-        </p:spPr>
-        <p:style>
-          <a:lnRef idx="2">
-            <a:schemeClr val="accent1">
-              <a:shade val="50000"/>
-            </a:schemeClr>
-          </a:lnRef>
-          <a:fillRef idx="1">
-            <a:schemeClr val="accent1"/>
-          </a:fillRef>
-          <a:effectRef idx="0">
-            <a:schemeClr val="accent1"/>
-          </a:effectRef>
-          <a:fontRef idx="minor">
-            <a:schemeClr val="lt1"/>
-          </a:fontRef>
-        </p:style>
-        <p:txBody>
-          <a:bodyPr rtlCol="0" anchor="ctr"/>
-          <a:lstStyle/>
-          <a:p>
-            <a:pPr algn="ctr"/>
-            <a:endParaRPr lang="en-US"/>
-          </a:p>
-        </p:txBody>
-      </p:sp>
-      <p:sp>
-        <p:nvSpPr>
-          <p:cNvPr id="4" name="Title 3">
-            <a:extLst>
-              <a:ext uri="{FF2B5EF4-FFF2-40B4-BE49-F238E27FC236}">
-                <a16:creationId xmlns:a16="http://schemas.microsoft.com/office/drawing/2014/main" id="{9860BD11-FBA7-4C2B-B8D3-9608DBCCD7F3}"/>
-              </a:ext>
-            </a:extLst>
-          </p:cNvPr>
-          <p:cNvSpPr>
-            <a:spLocks noGrp="1"/>
-          </p:cNvSpPr>
-          <p:nvPr>
-            <p:ph type="title"/>
-          </p:nvPr>
-        </p:nvSpPr>
-        <p:spPr>
-          <a:xfrm>
-            <a:off x="838200" y="963877"/>
-            <a:ext cx="3494362" cy="4930246"/>
-          </a:xfrm>
-        </p:spPr>
-        <p:txBody>
-          <a:bodyPr>
-            <a:normAutofit/>
-          </a:bodyPr>
-          <a:lstStyle/>
-          <a:p>
-            <a:pPr algn="r"/>
-            <a:r>
-              <a:rPr lang="en-US" dirty="0">
-                <a:solidFill>
-                  <a:schemeClr val="accent1"/>
-                </a:solidFill>
-              </a:rPr>
-              <a:t>Hypothesis &amp; Motivation</a:t>
-            </a:r>
-          </a:p>
-        </p:txBody>
-      </p:sp>
-      <p:cxnSp>
-        <p:nvCxnSpPr>
-          <p:cNvPr id="28" name="Straight Connector 11">
-            <a:extLst>
-              <a:ext uri="{FF2B5EF4-FFF2-40B4-BE49-F238E27FC236}">
-                <a16:creationId xmlns:a16="http://schemas.microsoft.com/office/drawing/2014/main" id="{2D72A2C9-F3CA-4216-8BAD-FA4C970C3C4E}"/>
-              </a:ext>
-              <a:ext uri="{C183D7F6-B498-43B3-948B-1728B52AA6E4}">
-                <adec:decorative xmlns:adec="http://schemas.microsoft.com/office/drawing/2017/decorative" val="1"/>
-              </a:ext>
-            </a:extLst>
-          </p:cNvPr>
-          <p:cNvCxnSpPr>
-            <a:cxnSpLocks noGrp="1" noRot="1" noChangeAspect="1" noMove="1" noResize="1" noEditPoints="1" noAdjustHandles="1" noChangeArrowheads="1" noChangeShapeType="1"/>
-          </p:cNvCxnSpPr>
-          <p:nvPr>
-            <p:extLst>
-              <p:ext uri="{386F3935-93C4-4BCD-93E2-E3B085C9AB24}">
-                <p16:designElem xmlns:p16="http://schemas.microsoft.com/office/powerpoint/2015/main" val="1"/>
-              </p:ext>
-            </p:extLst>
-          </p:nvPr>
-        </p:nvCxnSpPr>
-        <p:spPr>
-          <a:xfrm>
-            <a:off x="4654296" y="2057400"/>
-            <a:ext cx="0" cy="2743200"/>
-          </a:xfrm>
-          <a:prstGeom prst="line">
-            <a:avLst/>
-          </a:prstGeom>
-          <a:ln w="19050">
-            <a:solidFill>
-              <a:schemeClr val="tx1">
-                <a:lumMod val="85000"/>
-                <a:lumOff val="15000"/>
-              </a:schemeClr>
-            </a:solidFill>
-          </a:ln>
-        </p:spPr>
-        <p:style>
-          <a:lnRef idx="1">
-            <a:schemeClr val="accent1"/>
-          </a:lnRef>
-          <a:fillRef idx="0">
-            <a:schemeClr val="accent1"/>
-          </a:fillRef>
-          <a:effectRef idx="0">
-            <a:schemeClr val="accent1"/>
-          </a:effectRef>
-          <a:fontRef idx="minor">
-            <a:schemeClr val="tx1"/>
-          </a:fontRef>
-        </p:style>
-      </p:cxnSp>
-      <p:sp>
-        <p:nvSpPr>
-          <p:cNvPr id="29" name="Content Placeholder 4">
-            <a:extLst>
-              <a:ext uri="{FF2B5EF4-FFF2-40B4-BE49-F238E27FC236}">
-                <a16:creationId xmlns:a16="http://schemas.microsoft.com/office/drawing/2014/main" id="{1B9863A8-8D16-4F37-95A3-2D43EBDADF19}"/>
-              </a:ext>
-            </a:extLst>
-          </p:cNvPr>
-          <p:cNvSpPr>
-            <a:spLocks noGrp="1"/>
-          </p:cNvSpPr>
-          <p:nvPr>
-            <p:ph idx="1"/>
-          </p:nvPr>
-        </p:nvSpPr>
-        <p:spPr>
-          <a:xfrm>
-            <a:off x="4976031" y="963877"/>
-            <a:ext cx="6377769" cy="4930246"/>
-          </a:xfrm>
-        </p:spPr>
-        <p:txBody>
-          <a:bodyPr anchor="ctr">
-            <a:normAutofit/>
-          </a:bodyPr>
-          <a:lstStyle/>
-          <a:p>
-            <a:endParaRPr lang="en-US" sz="2400" dirty="0"/>
-          </a:p>
-          <a:p>
-            <a:pPr marL="0" indent="0">
-              <a:buNone/>
-            </a:pPr>
-            <a:r>
-              <a:rPr lang="en-US" sz="2400" dirty="0"/>
-              <a:t>Hypothesis: Lower socioeconomic status is correlated with higher rates of cardiovascular mortality</a:t>
+              <a:t>Hypothesis: Certain environmental and behavioral factors impact a population’s prevalence for cardiovascular disease – linked mortality.  Lower socioeconomic status and education attainment, high obesity, diabetes and smoking rates, as well as racial distribution may all be indicators of a population’s risk for CVD.</a:t>
             </a:r>
           </a:p>
           <a:p>
@@ -5848,7 +4325,7 @@
             </a:pPr>
             <a:r>
               <a:rPr lang="en-US" sz="2400" dirty="0"/>
-              <a:t>Why do we care? Nearly 1 in 4 deaths in the U.S. is due to cardiovascular disease</a:t>
+              <a:t>Why do we care? Nearly 1 in 4 deaths in the U.S. is due to cardiovascular disease.  Can we apply our findings to target at-risk populations for intervention by public health organizations?</a:t>
             </a:r>
           </a:p>
           <a:p>
@@ -5856,15 +4333,6 @@
               <a:buNone/>
             </a:pPr>
             <a:endParaRPr lang="en-US" sz="2400" dirty="0"/>
-          </a:p>
-          <a:p>
-            <a:pPr marL="0" indent="0">
-              <a:buNone/>
-            </a:pPr>
-            <a:r>
-              <a:rPr lang="en-US" sz="2400" dirty="0"/>
-              <a:t>Why socioeconomic status? Most risk factors are well understood and ‘modifiable’ based on behavior unlike socioeconomic status</a:t>
-            </a:r>
           </a:p>
         </p:txBody>
       </p:sp>
@@ -6090,7 +4558,7 @@
         </p:spPr>
         <p:txBody>
           <a:bodyPr anchor="ctr">
-            <a:normAutofit/>
+            <a:normAutofit fontScale="92500"/>
           </a:bodyPr>
           <a:lstStyle/>
           <a:p>
@@ -6105,7 +4573,7 @@
           <a:p>
             <a:r>
               <a:rPr lang="en-US" sz="2400" dirty="0"/>
-              <a:t>Do counties with lower education levels have higher rates of cardiovascular mortality?</a:t>
+              <a:t>Do counties with lower education and income levels have higher rates of cardiovascular mortality?</a:t>
             </a:r>
           </a:p>
           <a:p>
@@ -6114,7 +4582,16 @@
           <a:p>
             <a:r>
               <a:rPr lang="en-US" sz="2400" dirty="0"/>
-              <a:t>Do counties with lower incomes have higher rates of cardiovascular mortality?</a:t>
+              <a:t>Do counties with higher incidence of obesity, diabetes or smoking have higher rates of cardiovascular mortality?</a:t>
+            </a:r>
+          </a:p>
+          <a:p>
+            <a:endParaRPr lang="en-US" sz="2400" dirty="0"/>
+          </a:p>
+          <a:p>
+            <a:r>
+              <a:rPr lang="en-US" sz="2400" dirty="0"/>
+              <a:t>Is there a specific combination of factors to consider when generating the “best model” for machine learning?</a:t>
             </a:r>
           </a:p>
         </p:txBody>
@@ -6346,7 +4823,7 @@
             </a:r>
             <a:r>
               <a:rPr lang="en-US" sz="2400" dirty="0"/>
-              <a:t>annual deaths caused by major cardiovascular diseases (rate per 100,000 people) by county from 2012-2016</a:t>
+              <a:t>annual deaths caused by major cardiovascular diseases (rate per 100,000 people) by county from 2012-2016, Diabetes and Obesity incidence rates.</a:t>
             </a:r>
           </a:p>
           <a:p>
@@ -6358,6 +4835,17 @@
               <a:rPr lang="en-US" sz="2400" dirty="0"/>
               <a:t> educational attainment &amp; median income by county </a:t>
             </a:r>
+          </a:p>
+          <a:p>
+            <a:r>
+              <a:rPr lang="en-US" sz="2400" b="1" dirty="0"/>
+              <a:t>Global Health Data Exchange: </a:t>
+            </a:r>
+            <a:r>
+              <a:rPr lang="en-US" sz="2400" dirty="0"/>
+              <a:t>U.S. smoking prevalence by county</a:t>
+            </a:r>
+            <a:endParaRPr lang="en-US" sz="2400" b="1" dirty="0"/>
           </a:p>
         </p:txBody>
       </p:sp>
@@ -6622,7 +5110,7 @@
         </p:nvGrpSpPr>
         <p:grpSpPr>
           <a:xfrm>
-            <a:off x="4768255" y="380629"/>
+            <a:off x="4768255" y="362874"/>
             <a:ext cx="6995173" cy="1873666"/>
             <a:chOff x="4768255" y="380629"/>
             <a:chExt cx="6995173" cy="1873666"/>
@@ -7212,6 +5700,796 @@
                   <a:schemeClr val="accent1"/>
                 </a:solidFill>
               </a:rPr>
+              <a:t>Original DF –</a:t>
+            </a:r>
+            <a:br>
+              <a:rPr lang="en-US" dirty="0">
+                <a:solidFill>
+                  <a:schemeClr val="accent1"/>
+                </a:solidFill>
+              </a:rPr>
+            </a:br>
+            <a:r>
+              <a:rPr lang="en-US" dirty="0">
+                <a:solidFill>
+                  <a:schemeClr val="accent1"/>
+                </a:solidFill>
+              </a:rPr>
+              <a:t>Diabetes</a:t>
+            </a:r>
+            <a:br>
+              <a:rPr lang="en-US" dirty="0">
+                <a:solidFill>
+                  <a:schemeClr val="accent1"/>
+                </a:solidFill>
+              </a:rPr>
+            </a:br>
+            <a:r>
+              <a:rPr lang="en-US" dirty="0">
+                <a:solidFill>
+                  <a:schemeClr val="accent1"/>
+                </a:solidFill>
+              </a:rPr>
+              <a:t>Smoking</a:t>
+            </a:r>
+            <a:br>
+              <a:rPr lang="en-US" dirty="0">
+                <a:solidFill>
+                  <a:schemeClr val="accent1"/>
+                </a:solidFill>
+              </a:rPr>
+            </a:br>
+            <a:r>
+              <a:rPr lang="en-US" dirty="0">
+                <a:solidFill>
+                  <a:schemeClr val="accent1"/>
+                </a:solidFill>
+              </a:rPr>
+              <a:t>Obesity</a:t>
+            </a:r>
+            <a:br>
+              <a:rPr lang="en-US" dirty="0">
+                <a:solidFill>
+                  <a:schemeClr val="accent1"/>
+                </a:solidFill>
+              </a:rPr>
+            </a:br>
+            <a:r>
+              <a:rPr lang="en-US" dirty="0">
+                <a:solidFill>
+                  <a:schemeClr val="accent1"/>
+                </a:solidFill>
+              </a:rPr>
+              <a:t>Race</a:t>
+            </a:r>
+            <a:br>
+              <a:rPr lang="en-US" dirty="0">
+                <a:solidFill>
+                  <a:schemeClr val="accent1"/>
+                </a:solidFill>
+              </a:rPr>
+            </a:br>
+            <a:endParaRPr lang="en-US" dirty="0">
+              <a:solidFill>
+                <a:schemeClr val="accent1"/>
+              </a:solidFill>
+            </a:endParaRPr>
+          </a:p>
+        </p:txBody>
+      </p:sp>
+      <p:cxnSp>
+        <p:nvCxnSpPr>
+          <p:cNvPr id="28" name="Straight Connector 11">
+            <a:extLst>
+              <a:ext uri="{FF2B5EF4-FFF2-40B4-BE49-F238E27FC236}">
+                <a16:creationId xmlns:a16="http://schemas.microsoft.com/office/drawing/2014/main" id="{2D72A2C9-F3CA-4216-8BAD-FA4C970C3C4E}"/>
+              </a:ext>
+              <a:ext uri="{C183D7F6-B498-43B3-948B-1728B52AA6E4}">
+                <adec:decorative xmlns:adec="http://schemas.microsoft.com/office/drawing/2017/decorative" val="1"/>
+              </a:ext>
+            </a:extLst>
+          </p:cNvPr>
+          <p:cNvCxnSpPr>
+            <a:cxnSpLocks noGrp="1" noRot="1" noChangeAspect="1" noMove="1" noResize="1" noEditPoints="1" noAdjustHandles="1" noChangeArrowheads="1" noChangeShapeType="1"/>
+          </p:cNvCxnSpPr>
+          <p:nvPr>
+            <p:extLst>
+              <p:ext uri="{386F3935-93C4-4BCD-93E2-E3B085C9AB24}">
+                <p16:designElem xmlns:p16="http://schemas.microsoft.com/office/powerpoint/2015/main" val="1"/>
+              </p:ext>
+            </p:extLst>
+          </p:nvPr>
+        </p:nvCxnSpPr>
+        <p:spPr>
+          <a:xfrm>
+            <a:off x="4654296" y="2057400"/>
+            <a:ext cx="0" cy="2743200"/>
+          </a:xfrm>
+          <a:prstGeom prst="line">
+            <a:avLst/>
+          </a:prstGeom>
+          <a:ln w="19050">
+            <a:solidFill>
+              <a:schemeClr val="tx1">
+                <a:lumMod val="85000"/>
+                <a:lumOff val="15000"/>
+              </a:schemeClr>
+            </a:solidFill>
+          </a:ln>
+        </p:spPr>
+        <p:style>
+          <a:lnRef idx="1">
+            <a:schemeClr val="accent1"/>
+          </a:lnRef>
+          <a:fillRef idx="0">
+            <a:schemeClr val="accent1"/>
+          </a:fillRef>
+          <a:effectRef idx="0">
+            <a:schemeClr val="accent1"/>
+          </a:effectRef>
+          <a:fontRef idx="minor">
+            <a:schemeClr val="tx1"/>
+          </a:fontRef>
+        </p:style>
+      </p:cxnSp>
+      <p:pic>
+        <p:nvPicPr>
+          <p:cNvPr id="3" name="Picture 2">
+            <a:extLst>
+              <a:ext uri="{FF2B5EF4-FFF2-40B4-BE49-F238E27FC236}">
+                <a16:creationId xmlns:a16="http://schemas.microsoft.com/office/drawing/2014/main" id="{362016E3-B1E3-4AC6-80BE-1DF9AB880AFC}"/>
+              </a:ext>
+            </a:extLst>
+          </p:cNvPr>
+          <p:cNvPicPr>
+            <a:picLocks noChangeAspect="1"/>
+          </p:cNvPicPr>
+          <p:nvPr/>
+        </p:nvPicPr>
+        <p:blipFill>
+          <a:blip r:embed="rId2">
+            <a:extLst>
+              <a:ext uri="{28A0092B-C50C-407E-A947-70E740481C1C}">
+                <a14:useLocalDpi xmlns:a14="http://schemas.microsoft.com/office/drawing/2010/main" val="0"/>
+              </a:ext>
+            </a:extLst>
+          </a:blip>
+          <a:stretch>
+            <a:fillRect/>
+          </a:stretch>
+        </p:blipFill>
+        <p:spPr>
+          <a:xfrm>
+            <a:off x="4964471" y="676033"/>
+            <a:ext cx="6905965" cy="1126097"/>
+          </a:xfrm>
+          <a:prstGeom prst="rect">
+            <a:avLst/>
+          </a:prstGeom>
+        </p:spPr>
+      </p:pic>
+      <p:pic>
+        <p:nvPicPr>
+          <p:cNvPr id="9" name="Picture 8">
+            <a:extLst>
+              <a:ext uri="{FF2B5EF4-FFF2-40B4-BE49-F238E27FC236}">
+                <a16:creationId xmlns:a16="http://schemas.microsoft.com/office/drawing/2014/main" id="{C9B2178F-8EBF-4947-897C-67E315A61190}"/>
+              </a:ext>
+            </a:extLst>
+          </p:cNvPr>
+          <p:cNvPicPr>
+            <a:picLocks noChangeAspect="1"/>
+          </p:cNvPicPr>
+          <p:nvPr/>
+        </p:nvPicPr>
+        <p:blipFill>
+          <a:blip r:embed="rId3">
+            <a:extLst>
+              <a:ext uri="{28A0092B-C50C-407E-A947-70E740481C1C}">
+                <a14:useLocalDpi xmlns:a14="http://schemas.microsoft.com/office/drawing/2010/main" val="0"/>
+              </a:ext>
+            </a:extLst>
+          </a:blip>
+          <a:stretch>
+            <a:fillRect/>
+          </a:stretch>
+        </p:blipFill>
+        <p:spPr>
+          <a:xfrm>
+            <a:off x="4964471" y="1970269"/>
+            <a:ext cx="6104149" cy="1425063"/>
+          </a:xfrm>
+          <a:prstGeom prst="rect">
+            <a:avLst/>
+          </a:prstGeom>
+        </p:spPr>
+      </p:pic>
+      <p:pic>
+        <p:nvPicPr>
+          <p:cNvPr id="11" name="Picture 10">
+            <a:extLst>
+              <a:ext uri="{FF2B5EF4-FFF2-40B4-BE49-F238E27FC236}">
+                <a16:creationId xmlns:a16="http://schemas.microsoft.com/office/drawing/2014/main" id="{A5E3916A-0991-42F4-A9EA-1D7E7E6201CB}"/>
+              </a:ext>
+            </a:extLst>
+          </p:cNvPr>
+          <p:cNvPicPr>
+            <a:picLocks noChangeAspect="1"/>
+          </p:cNvPicPr>
+          <p:nvPr/>
+        </p:nvPicPr>
+        <p:blipFill>
+          <a:blip r:embed="rId4">
+            <a:extLst>
+              <a:ext uri="{28A0092B-C50C-407E-A947-70E740481C1C}">
+                <a14:useLocalDpi xmlns:a14="http://schemas.microsoft.com/office/drawing/2010/main" val="0"/>
+              </a:ext>
+            </a:extLst>
+          </a:blip>
+          <a:stretch>
+            <a:fillRect/>
+          </a:stretch>
+        </p:blipFill>
+        <p:spPr>
+          <a:xfrm>
+            <a:off x="4964470" y="3563471"/>
+            <a:ext cx="6905965" cy="1118278"/>
+          </a:xfrm>
+          <a:prstGeom prst="rect">
+            <a:avLst/>
+          </a:prstGeom>
+        </p:spPr>
+      </p:pic>
+      <p:pic>
+        <p:nvPicPr>
+          <p:cNvPr id="13" name="Picture 12">
+            <a:extLst>
+              <a:ext uri="{FF2B5EF4-FFF2-40B4-BE49-F238E27FC236}">
+                <a16:creationId xmlns:a16="http://schemas.microsoft.com/office/drawing/2014/main" id="{A485BF65-413F-40FE-8115-7484B59E2B02}"/>
+              </a:ext>
+            </a:extLst>
+          </p:cNvPr>
+          <p:cNvPicPr>
+            <a:picLocks noChangeAspect="1"/>
+          </p:cNvPicPr>
+          <p:nvPr/>
+        </p:nvPicPr>
+        <p:blipFill>
+          <a:blip r:embed="rId5">
+            <a:extLst>
+              <a:ext uri="{28A0092B-C50C-407E-A947-70E740481C1C}">
+                <a14:useLocalDpi xmlns:a14="http://schemas.microsoft.com/office/drawing/2010/main" val="0"/>
+              </a:ext>
+            </a:extLst>
+          </a:blip>
+          <a:stretch>
+            <a:fillRect/>
+          </a:stretch>
+        </p:blipFill>
+        <p:spPr>
+          <a:xfrm>
+            <a:off x="4964469" y="4849888"/>
+            <a:ext cx="6905951" cy="1353840"/>
+          </a:xfrm>
+          <a:prstGeom prst="rect">
+            <a:avLst/>
+          </a:prstGeom>
+        </p:spPr>
+      </p:pic>
+      <p:sp>
+        <p:nvSpPr>
+          <p:cNvPr id="14" name="Rectangle 13">
+            <a:extLst>
+              <a:ext uri="{FF2B5EF4-FFF2-40B4-BE49-F238E27FC236}">
+                <a16:creationId xmlns:a16="http://schemas.microsoft.com/office/drawing/2014/main" id="{4F198D5C-A478-4DA0-A930-111059E39E89}"/>
+              </a:ext>
+            </a:extLst>
+          </p:cNvPr>
+          <p:cNvSpPr/>
+          <p:nvPr/>
+        </p:nvSpPr>
+        <p:spPr>
+          <a:xfrm>
+            <a:off x="6741268" y="676033"/>
+            <a:ext cx="544749" cy="1126097"/>
+          </a:xfrm>
+          <a:prstGeom prst="rect">
+            <a:avLst/>
+          </a:prstGeom>
+          <a:noFill/>
+          <a:ln w="19050"/>
+        </p:spPr>
+        <p:style>
+          <a:lnRef idx="2">
+            <a:schemeClr val="accent1">
+              <a:shade val="50000"/>
+            </a:schemeClr>
+          </a:lnRef>
+          <a:fillRef idx="1">
+            <a:schemeClr val="accent1"/>
+          </a:fillRef>
+          <a:effectRef idx="0">
+            <a:schemeClr val="accent1"/>
+          </a:effectRef>
+          <a:fontRef idx="minor">
+            <a:schemeClr val="lt1"/>
+          </a:fontRef>
+        </p:style>
+        <p:txBody>
+          <a:bodyPr rtlCol="0" anchor="ctr"/>
+          <a:lstStyle/>
+          <a:p>
+            <a:pPr algn="ctr"/>
+            <a:endParaRPr lang="en-US"/>
+          </a:p>
+        </p:txBody>
+      </p:sp>
+      <p:sp>
+        <p:nvSpPr>
+          <p:cNvPr id="26" name="Rectangle 25">
+            <a:extLst>
+              <a:ext uri="{FF2B5EF4-FFF2-40B4-BE49-F238E27FC236}">
+                <a16:creationId xmlns:a16="http://schemas.microsoft.com/office/drawing/2014/main" id="{41882CC5-2E3E-4C56-8D93-5F2024ED4F21}"/>
+              </a:ext>
+            </a:extLst>
+          </p:cNvPr>
+          <p:cNvSpPr/>
+          <p:nvPr/>
+        </p:nvSpPr>
+        <p:spPr>
+          <a:xfrm>
+            <a:off x="9663501" y="676032"/>
+            <a:ext cx="544749" cy="1126097"/>
+          </a:xfrm>
+          <a:prstGeom prst="rect">
+            <a:avLst/>
+          </a:prstGeom>
+          <a:noFill/>
+          <a:ln w="19050"/>
+        </p:spPr>
+        <p:style>
+          <a:lnRef idx="2">
+            <a:schemeClr val="accent1">
+              <a:shade val="50000"/>
+            </a:schemeClr>
+          </a:lnRef>
+          <a:fillRef idx="1">
+            <a:schemeClr val="accent1"/>
+          </a:fillRef>
+          <a:effectRef idx="0">
+            <a:schemeClr val="accent1"/>
+          </a:effectRef>
+          <a:fontRef idx="minor">
+            <a:schemeClr val="lt1"/>
+          </a:fontRef>
+        </p:style>
+        <p:txBody>
+          <a:bodyPr rtlCol="0" anchor="ctr"/>
+          <a:lstStyle/>
+          <a:p>
+            <a:pPr algn="ctr"/>
+            <a:endParaRPr lang="en-US"/>
+          </a:p>
+        </p:txBody>
+      </p:sp>
+      <p:sp>
+        <p:nvSpPr>
+          <p:cNvPr id="29" name="Rectangle 28">
+            <a:extLst>
+              <a:ext uri="{FF2B5EF4-FFF2-40B4-BE49-F238E27FC236}">
+                <a16:creationId xmlns:a16="http://schemas.microsoft.com/office/drawing/2014/main" id="{D99BB43D-2C8B-4576-A1DF-11E8ECCBB17C}"/>
+              </a:ext>
+            </a:extLst>
+          </p:cNvPr>
+          <p:cNvSpPr/>
+          <p:nvPr/>
+        </p:nvSpPr>
+        <p:spPr>
+          <a:xfrm>
+            <a:off x="4964469" y="1970269"/>
+            <a:ext cx="1640514" cy="1425063"/>
+          </a:xfrm>
+          <a:prstGeom prst="rect">
+            <a:avLst/>
+          </a:prstGeom>
+          <a:noFill/>
+          <a:ln w="19050"/>
+        </p:spPr>
+        <p:style>
+          <a:lnRef idx="2">
+            <a:schemeClr val="accent1">
+              <a:shade val="50000"/>
+            </a:schemeClr>
+          </a:lnRef>
+          <a:fillRef idx="1">
+            <a:schemeClr val="accent1"/>
+          </a:fillRef>
+          <a:effectRef idx="0">
+            <a:schemeClr val="accent1"/>
+          </a:effectRef>
+          <a:fontRef idx="minor">
+            <a:schemeClr val="lt1"/>
+          </a:fontRef>
+        </p:style>
+        <p:txBody>
+          <a:bodyPr rtlCol="0" anchor="ctr"/>
+          <a:lstStyle/>
+          <a:p>
+            <a:pPr algn="ctr"/>
+            <a:endParaRPr lang="en-US"/>
+          </a:p>
+        </p:txBody>
+      </p:sp>
+      <p:sp>
+        <p:nvSpPr>
+          <p:cNvPr id="30" name="Rectangle 29">
+            <a:extLst>
+              <a:ext uri="{FF2B5EF4-FFF2-40B4-BE49-F238E27FC236}">
+                <a16:creationId xmlns:a16="http://schemas.microsoft.com/office/drawing/2014/main" id="{6CF32E02-6452-4501-856C-D4D3B13F0B1E}"/>
+              </a:ext>
+            </a:extLst>
+          </p:cNvPr>
+          <p:cNvSpPr/>
+          <p:nvPr/>
+        </p:nvSpPr>
+        <p:spPr>
+          <a:xfrm>
+            <a:off x="7537705" y="1985016"/>
+            <a:ext cx="683014" cy="1425063"/>
+          </a:xfrm>
+          <a:prstGeom prst="rect">
+            <a:avLst/>
+          </a:prstGeom>
+          <a:noFill/>
+          <a:ln w="19050"/>
+        </p:spPr>
+        <p:style>
+          <a:lnRef idx="2">
+            <a:schemeClr val="accent1">
+              <a:shade val="50000"/>
+            </a:schemeClr>
+          </a:lnRef>
+          <a:fillRef idx="1">
+            <a:schemeClr val="accent1"/>
+          </a:fillRef>
+          <a:effectRef idx="0">
+            <a:schemeClr val="accent1"/>
+          </a:effectRef>
+          <a:fontRef idx="minor">
+            <a:schemeClr val="lt1"/>
+          </a:fontRef>
+        </p:style>
+        <p:txBody>
+          <a:bodyPr rtlCol="0" anchor="ctr"/>
+          <a:lstStyle/>
+          <a:p>
+            <a:pPr algn="ctr"/>
+            <a:endParaRPr lang="en-US"/>
+          </a:p>
+        </p:txBody>
+      </p:sp>
+      <p:sp>
+        <p:nvSpPr>
+          <p:cNvPr id="31" name="Rectangle 30">
+            <a:extLst>
+              <a:ext uri="{FF2B5EF4-FFF2-40B4-BE49-F238E27FC236}">
+                <a16:creationId xmlns:a16="http://schemas.microsoft.com/office/drawing/2014/main" id="{6159B818-31C2-46F5-AD46-0123EBDEB96A}"/>
+              </a:ext>
+            </a:extLst>
+          </p:cNvPr>
+          <p:cNvSpPr/>
+          <p:nvPr/>
+        </p:nvSpPr>
+        <p:spPr>
+          <a:xfrm>
+            <a:off x="6399761" y="3527920"/>
+            <a:ext cx="551444" cy="1118278"/>
+          </a:xfrm>
+          <a:prstGeom prst="rect">
+            <a:avLst/>
+          </a:prstGeom>
+          <a:noFill/>
+          <a:ln w="19050"/>
+        </p:spPr>
+        <p:style>
+          <a:lnRef idx="2">
+            <a:schemeClr val="accent1">
+              <a:shade val="50000"/>
+            </a:schemeClr>
+          </a:lnRef>
+          <a:fillRef idx="1">
+            <a:schemeClr val="accent1"/>
+          </a:fillRef>
+          <a:effectRef idx="0">
+            <a:schemeClr val="accent1"/>
+          </a:effectRef>
+          <a:fontRef idx="minor">
+            <a:schemeClr val="lt1"/>
+          </a:fontRef>
+        </p:style>
+        <p:txBody>
+          <a:bodyPr rtlCol="0" anchor="ctr"/>
+          <a:lstStyle/>
+          <a:p>
+            <a:pPr algn="ctr"/>
+            <a:endParaRPr lang="en-US"/>
+          </a:p>
+        </p:txBody>
+      </p:sp>
+      <p:sp>
+        <p:nvSpPr>
+          <p:cNvPr id="32" name="Rectangle 31">
+            <a:extLst>
+              <a:ext uri="{FF2B5EF4-FFF2-40B4-BE49-F238E27FC236}">
+                <a16:creationId xmlns:a16="http://schemas.microsoft.com/office/drawing/2014/main" id="{02663320-4664-4F54-9A1C-E86DCB8005EC}"/>
+              </a:ext>
+            </a:extLst>
+          </p:cNvPr>
+          <p:cNvSpPr/>
+          <p:nvPr/>
+        </p:nvSpPr>
+        <p:spPr>
+          <a:xfrm>
+            <a:off x="9579446" y="3563471"/>
+            <a:ext cx="478954" cy="1118278"/>
+          </a:xfrm>
+          <a:prstGeom prst="rect">
+            <a:avLst/>
+          </a:prstGeom>
+          <a:noFill/>
+          <a:ln w="19050"/>
+        </p:spPr>
+        <p:style>
+          <a:lnRef idx="2">
+            <a:schemeClr val="accent1">
+              <a:shade val="50000"/>
+            </a:schemeClr>
+          </a:lnRef>
+          <a:fillRef idx="1">
+            <a:schemeClr val="accent1"/>
+          </a:fillRef>
+          <a:effectRef idx="0">
+            <a:schemeClr val="accent1"/>
+          </a:effectRef>
+          <a:fontRef idx="minor">
+            <a:schemeClr val="lt1"/>
+          </a:fontRef>
+        </p:style>
+        <p:txBody>
+          <a:bodyPr rtlCol="0" anchor="ctr"/>
+          <a:lstStyle/>
+          <a:p>
+            <a:pPr algn="ctr"/>
+            <a:endParaRPr lang="en-US"/>
+          </a:p>
+        </p:txBody>
+      </p:sp>
+      <p:sp>
+        <p:nvSpPr>
+          <p:cNvPr id="33" name="Rectangle 32">
+            <a:extLst>
+              <a:ext uri="{FF2B5EF4-FFF2-40B4-BE49-F238E27FC236}">
+                <a16:creationId xmlns:a16="http://schemas.microsoft.com/office/drawing/2014/main" id="{B2B69F2D-9DDA-497D-BE93-954F7FE1CC0E}"/>
+              </a:ext>
+            </a:extLst>
+          </p:cNvPr>
+          <p:cNvSpPr/>
+          <p:nvPr/>
+        </p:nvSpPr>
+        <p:spPr>
+          <a:xfrm>
+            <a:off x="5150968" y="4835141"/>
+            <a:ext cx="690531" cy="1301164"/>
+          </a:xfrm>
+          <a:prstGeom prst="rect">
+            <a:avLst/>
+          </a:prstGeom>
+          <a:noFill/>
+          <a:ln w="19050"/>
+        </p:spPr>
+        <p:style>
+          <a:lnRef idx="2">
+            <a:schemeClr val="accent1">
+              <a:shade val="50000"/>
+            </a:schemeClr>
+          </a:lnRef>
+          <a:fillRef idx="1">
+            <a:schemeClr val="accent1"/>
+          </a:fillRef>
+          <a:effectRef idx="0">
+            <a:schemeClr val="accent1"/>
+          </a:effectRef>
+          <a:fontRef idx="minor">
+            <a:schemeClr val="lt1"/>
+          </a:fontRef>
+        </p:style>
+        <p:txBody>
+          <a:bodyPr rtlCol="0" anchor="ctr"/>
+          <a:lstStyle/>
+          <a:p>
+            <a:pPr algn="ctr"/>
+            <a:endParaRPr lang="en-US"/>
+          </a:p>
+        </p:txBody>
+      </p:sp>
+      <p:sp>
+        <p:nvSpPr>
+          <p:cNvPr id="34" name="Rectangle 33">
+            <a:extLst>
+              <a:ext uri="{FF2B5EF4-FFF2-40B4-BE49-F238E27FC236}">
+                <a16:creationId xmlns:a16="http://schemas.microsoft.com/office/drawing/2014/main" id="{9E902DA1-2BE5-4B91-AED2-DE2A1CC48B97}"/>
+              </a:ext>
+            </a:extLst>
+          </p:cNvPr>
+          <p:cNvSpPr/>
+          <p:nvPr/>
+        </p:nvSpPr>
+        <p:spPr>
+          <a:xfrm>
+            <a:off x="6652766" y="4846020"/>
+            <a:ext cx="5217654" cy="1301164"/>
+          </a:xfrm>
+          <a:prstGeom prst="rect">
+            <a:avLst/>
+          </a:prstGeom>
+          <a:noFill/>
+          <a:ln w="19050"/>
+        </p:spPr>
+        <p:style>
+          <a:lnRef idx="2">
+            <a:schemeClr val="accent1">
+              <a:shade val="50000"/>
+            </a:schemeClr>
+          </a:lnRef>
+          <a:fillRef idx="1">
+            <a:schemeClr val="accent1"/>
+          </a:fillRef>
+          <a:effectRef idx="0">
+            <a:schemeClr val="accent1"/>
+          </a:effectRef>
+          <a:fontRef idx="minor">
+            <a:schemeClr val="lt1"/>
+          </a:fontRef>
+        </p:style>
+        <p:txBody>
+          <a:bodyPr rtlCol="0" anchor="ctr"/>
+          <a:lstStyle/>
+          <a:p>
+            <a:pPr algn="ctr"/>
+            <a:endParaRPr lang="en-US"/>
+          </a:p>
+        </p:txBody>
+      </p:sp>
+    </p:spTree>
+    <p:extLst>
+      <p:ext uri="{BB962C8B-B14F-4D97-AF65-F5344CB8AC3E}">
+        <p14:creationId xmlns:p14="http://schemas.microsoft.com/office/powerpoint/2010/main" val="364213878"/>
+      </p:ext>
+    </p:extLst>
+  </p:cSld>
+  <p:clrMapOvr>
+    <a:masterClrMapping/>
+  </p:clrMapOvr>
+</p:sld>
+</file>
+
+<file path=ppt/slides/slide7.xml><?xml version="1.0" encoding="utf-8"?>
+<p:sld xmlns:a="http://schemas.openxmlformats.org/drawingml/2006/main" xmlns:r="http://schemas.openxmlformats.org/officeDocument/2006/relationships" xmlns:p="http://schemas.openxmlformats.org/presentationml/2006/main">
+  <p:cSld>
+    <p:spTree>
+      <p:nvGrpSpPr>
+        <p:cNvPr id="1" name=""/>
+        <p:cNvGrpSpPr/>
+        <p:nvPr/>
+      </p:nvGrpSpPr>
+      <p:grpSpPr>
+        <a:xfrm>
+          <a:off x="0" y="0"/>
+          <a:ext cx="0" cy="0"/>
+          <a:chOff x="0" y="0"/>
+          <a:chExt cx="0" cy="0"/>
+        </a:xfrm>
+      </p:grpSpPr>
+      <p:sp>
+        <p:nvSpPr>
+          <p:cNvPr id="27" name="Rectangle 9">
+            <a:extLst>
+              <a:ext uri="{FF2B5EF4-FFF2-40B4-BE49-F238E27FC236}">
+                <a16:creationId xmlns:a16="http://schemas.microsoft.com/office/drawing/2014/main" id="{8D70B121-56F4-4848-B38B-182089D909FA}"/>
+              </a:ext>
+              <a:ext uri="{C183D7F6-B498-43B3-948B-1728B52AA6E4}">
+                <adec:decorative xmlns:adec="http://schemas.microsoft.com/office/drawing/2017/decorative" val="1"/>
+              </a:ext>
+            </a:extLst>
+          </p:cNvPr>
+          <p:cNvSpPr>
+            <a:spLocks noGrp="1" noRot="1" noChangeAspect="1" noMove="1" noResize="1" noEditPoints="1" noAdjustHandles="1" noChangeArrowheads="1" noChangeShapeType="1" noTextEdit="1"/>
+          </p:cNvSpPr>
+          <p:nvPr>
+            <p:extLst>
+              <p:ext uri="{386F3935-93C4-4BCD-93E2-E3B085C9AB24}">
+                <p16:designElem xmlns:p16="http://schemas.microsoft.com/office/powerpoint/2015/main" val="1"/>
+              </p:ext>
+            </p:extLst>
+          </p:nvPr>
+        </p:nvSpPr>
+        <p:spPr bwMode="ltGray">
+          <a:xfrm>
+            <a:off x="321564" y="320040"/>
+            <a:ext cx="11548872" cy="6217920"/>
+          </a:xfrm>
+          <a:prstGeom prst="rect">
+            <a:avLst/>
+          </a:prstGeom>
+          <a:solidFill>
+            <a:schemeClr val="tx1">
+              <a:alpha val="8000"/>
+            </a:schemeClr>
+          </a:solidFill>
+          <a:ln w="127000" cap="sq" cmpd="thinThick">
+            <a:noFill/>
+          </a:ln>
+        </p:spPr>
+        <p:style>
+          <a:lnRef idx="2">
+            <a:schemeClr val="accent1">
+              <a:shade val="50000"/>
+            </a:schemeClr>
+          </a:lnRef>
+          <a:fillRef idx="1">
+            <a:schemeClr val="accent1"/>
+          </a:fillRef>
+          <a:effectRef idx="0">
+            <a:schemeClr val="accent1"/>
+          </a:effectRef>
+          <a:fontRef idx="minor">
+            <a:schemeClr val="lt1"/>
+          </a:fontRef>
+        </p:style>
+        <p:txBody>
+          <a:bodyPr rtlCol="0" anchor="ctr"/>
+          <a:lstStyle/>
+          <a:p>
+            <a:pPr algn="ctr"/>
+            <a:endParaRPr lang="en-US"/>
+          </a:p>
+        </p:txBody>
+      </p:sp>
+      <p:sp>
+        <p:nvSpPr>
+          <p:cNvPr id="4" name="Title 3">
+            <a:extLst>
+              <a:ext uri="{FF2B5EF4-FFF2-40B4-BE49-F238E27FC236}">
+                <a16:creationId xmlns:a16="http://schemas.microsoft.com/office/drawing/2014/main" id="{9860BD11-FBA7-4C2B-B8D3-9608DBCCD7F3}"/>
+              </a:ext>
+            </a:extLst>
+          </p:cNvPr>
+          <p:cNvSpPr>
+            <a:spLocks noGrp="1"/>
+          </p:cNvSpPr>
+          <p:nvPr>
+            <p:ph type="title"/>
+          </p:nvPr>
+        </p:nvSpPr>
+        <p:spPr>
+          <a:xfrm>
+            <a:off x="838200" y="963877"/>
+            <a:ext cx="3494362" cy="4930246"/>
+          </a:xfrm>
+        </p:spPr>
+        <p:txBody>
+          <a:bodyPr>
+            <a:normAutofit/>
+          </a:bodyPr>
+          <a:lstStyle/>
+          <a:p>
+            <a:pPr algn="r"/>
+            <a:r>
+              <a:rPr lang="en-US" dirty="0">
+                <a:solidFill>
+                  <a:schemeClr val="accent1"/>
+                </a:solidFill>
+              </a:rPr>
               <a:t>Data Cleanup &amp;</a:t>
             </a:r>
             <a:br>
@@ -7647,7 +6925,7 @@
 </p:sld>
 </file>
 
-<file path=ppt/slides/slide7.xml><?xml version="1.0" encoding="utf-8"?>
+<file path=ppt/slides/slide8.xml><?xml version="1.0" encoding="utf-8"?>
 <p:sld xmlns:a="http://schemas.openxmlformats.org/drawingml/2006/main" xmlns:r="http://schemas.openxmlformats.org/officeDocument/2006/relationships" xmlns:p="http://schemas.openxmlformats.org/presentationml/2006/main">
   <p:cSld>
     <p:spTree>
@@ -8239,17 +7517,9 @@
 </p:sld>
 </file>
 
-<file path=ppt/slides/slide8.xml><?xml version="1.0" encoding="utf-8"?>
+<file path=ppt/slides/slide9.xml><?xml version="1.0" encoding="utf-8"?>
 <p:sld xmlns:a="http://schemas.openxmlformats.org/drawingml/2006/main" xmlns:r="http://schemas.openxmlformats.org/officeDocument/2006/relationships" xmlns:p="http://schemas.openxmlformats.org/presentationml/2006/main">
   <p:cSld>
-    <p:bg>
-      <p:bgPr>
-        <a:solidFill>
-          <a:schemeClr val="bg1"/>
-        </a:solidFill>
-        <a:effectLst/>
-      </p:bgPr>
-    </p:bg>
     <p:spTree>
       <p:nvGrpSpPr>
         <p:cNvPr id="1" name=""/>
@@ -8364,7 +7634,7 @@
                   <a:schemeClr val="accent1"/>
                 </a:solidFill>
               </a:rPr>
-              <a:t>Correlations – Income</a:t>
+              <a:t>Data Cleanup &amp;</a:t>
             </a:r>
             <a:br>
               <a:rPr lang="en-US" dirty="0">
@@ -8379,22 +7649,7 @@
                   <a:schemeClr val="accent1"/>
                 </a:solidFill>
               </a:rPr>
-              <a:t>Education</a:t>
-            </a:r>
-            <a:br>
-              <a:rPr lang="en-US" dirty="0">
-                <a:solidFill>
-                  <a:schemeClr val="accent1"/>
-                </a:solidFill>
-              </a:rPr>
-            </a:br>
-            <a:r>
-              <a:rPr lang="en-US" dirty="0">
-                <a:solidFill>
-                  <a:schemeClr val="accent1"/>
-                </a:solidFill>
-              </a:rPr>
-              <a:t>Crude Rate</a:t>
+              <a:t>Data Interpretation Cont.</a:t>
             </a:r>
           </a:p>
         </p:txBody>
@@ -8454,732 +7709,10 @@
           </a:fontRef>
         </p:style>
       </p:cxnSp>
-      <p:pic>
-        <p:nvPicPr>
-          <p:cNvPr id="5" name="Picture 4">
-            <a:extLst>
-              <a:ext uri="{FF2B5EF4-FFF2-40B4-BE49-F238E27FC236}">
-                <a16:creationId xmlns:a16="http://schemas.microsoft.com/office/drawing/2014/main" id="{AEF4332B-AEFD-4388-A751-27762037BDE2}"/>
-              </a:ext>
-            </a:extLst>
-          </p:cNvPr>
-          <p:cNvPicPr>
-            <a:picLocks/>
-          </p:cNvPicPr>
-          <p:nvPr/>
-        </p:nvPicPr>
-        <p:blipFill>
-          <a:blip r:embed="rId2"/>
-          <a:stretch>
-            <a:fillRect/>
-          </a:stretch>
-        </p:blipFill>
-        <p:spPr>
-          <a:xfrm>
-            <a:off x="4690027" y="389253"/>
-            <a:ext cx="3310128" cy="2130552"/>
-          </a:xfrm>
-          <a:prstGeom prst="rect">
-            <a:avLst/>
-          </a:prstGeom>
-        </p:spPr>
-      </p:pic>
-      <p:pic>
-        <p:nvPicPr>
-          <p:cNvPr id="6" name="Picture 5">
-            <a:extLst>
-              <a:ext uri="{FF2B5EF4-FFF2-40B4-BE49-F238E27FC236}">
-                <a16:creationId xmlns:a16="http://schemas.microsoft.com/office/drawing/2014/main" id="{5EAC89E7-4ED9-4D55-9286-41F56498DD5E}"/>
-              </a:ext>
-            </a:extLst>
-          </p:cNvPr>
-          <p:cNvPicPr>
-            <a:picLocks/>
-          </p:cNvPicPr>
-          <p:nvPr/>
-        </p:nvPicPr>
-        <p:blipFill>
-          <a:blip r:embed="rId3"/>
-          <a:stretch>
-            <a:fillRect/>
-          </a:stretch>
-        </p:blipFill>
-        <p:spPr>
-          <a:xfrm>
-            <a:off x="8259348" y="372083"/>
-            <a:ext cx="3310128" cy="2130552"/>
-          </a:xfrm>
-          <a:prstGeom prst="rect">
-            <a:avLst/>
-          </a:prstGeom>
-        </p:spPr>
-      </p:pic>
-      <p:pic>
-        <p:nvPicPr>
-          <p:cNvPr id="8" name="Picture 7">
-            <a:extLst>
-              <a:ext uri="{FF2B5EF4-FFF2-40B4-BE49-F238E27FC236}">
-                <a16:creationId xmlns:a16="http://schemas.microsoft.com/office/drawing/2014/main" id="{523E8DD8-F76C-4488-872F-7368A154AFB2}"/>
-              </a:ext>
-            </a:extLst>
-          </p:cNvPr>
-          <p:cNvPicPr>
-            <a:picLocks/>
-          </p:cNvPicPr>
-          <p:nvPr/>
-        </p:nvPicPr>
-        <p:blipFill>
-          <a:blip r:embed="rId4"/>
-          <a:stretch>
-            <a:fillRect/>
-          </a:stretch>
-        </p:blipFill>
-        <p:spPr>
-          <a:xfrm>
-            <a:off x="4695228" y="2641108"/>
-            <a:ext cx="3310128" cy="2130552"/>
-          </a:xfrm>
-          <a:prstGeom prst="rect">
-            <a:avLst/>
-          </a:prstGeom>
-        </p:spPr>
-      </p:pic>
-      <p:pic>
-        <p:nvPicPr>
-          <p:cNvPr id="9" name="Picture 8">
-            <a:extLst>
-              <a:ext uri="{FF2B5EF4-FFF2-40B4-BE49-F238E27FC236}">
-                <a16:creationId xmlns:a16="http://schemas.microsoft.com/office/drawing/2014/main" id="{947E8DD6-0EDF-4955-9A20-C40A094E30E1}"/>
-              </a:ext>
-            </a:extLst>
-          </p:cNvPr>
-          <p:cNvPicPr>
-            <a:picLocks/>
-          </p:cNvPicPr>
-          <p:nvPr/>
-        </p:nvPicPr>
-        <p:blipFill>
-          <a:blip r:embed="rId5"/>
-          <a:stretch>
-            <a:fillRect/>
-          </a:stretch>
-        </p:blipFill>
-        <p:spPr>
-          <a:xfrm>
-            <a:off x="8208654" y="2657319"/>
-            <a:ext cx="3310128" cy="2130552"/>
-          </a:xfrm>
-          <a:prstGeom prst="rect">
-            <a:avLst/>
-          </a:prstGeom>
-        </p:spPr>
-      </p:pic>
-      <p:sp>
-        <p:nvSpPr>
-          <p:cNvPr id="13" name="TextBox 12">
-            <a:extLst>
-              <a:ext uri="{FF2B5EF4-FFF2-40B4-BE49-F238E27FC236}">
-                <a16:creationId xmlns:a16="http://schemas.microsoft.com/office/drawing/2014/main" id="{7A89B211-E255-40E5-9315-EFD420C34DF0}"/>
-              </a:ext>
-            </a:extLst>
-          </p:cNvPr>
-          <p:cNvSpPr txBox="1"/>
-          <p:nvPr/>
-        </p:nvSpPr>
-        <p:spPr>
-          <a:xfrm>
-            <a:off x="4654296" y="4860339"/>
-            <a:ext cx="7318684" cy="1723549"/>
-          </a:xfrm>
-          <a:prstGeom prst="rect">
-            <a:avLst/>
-          </a:prstGeom>
-          <a:noFill/>
-        </p:spPr>
-        <p:txBody>
-          <a:bodyPr wrap="square" rtlCol="0">
-            <a:spAutoFit/>
-          </a:bodyPr>
-          <a:lstStyle/>
-          <a:p>
-            <a:pPr marL="285750" indent="-285750">
-              <a:buFont typeface="Wingdings" panose="05000000000000000000" pitchFamily="2" charset="2"/>
-              <a:buChar char="Ø"/>
-            </a:pPr>
-            <a:r>
-              <a:rPr lang="en-US" sz="1400" dirty="0">
-                <a:solidFill>
-                  <a:prstClr val="black"/>
-                </a:solidFill>
-                <a:latin typeface="Calibri" panose="020F0502020204030204"/>
-              </a:rPr>
-              <a:t>Linear regression R-value of </a:t>
-            </a:r>
-            <a:r>
-              <a:rPr lang="en-US" sz="1400" dirty="0">
-                <a:solidFill>
-                  <a:srgbClr val="00B050"/>
-                </a:solidFill>
-                <a:latin typeface="Calibri" panose="020F0502020204030204"/>
-              </a:rPr>
-              <a:t>0.71</a:t>
-            </a:r>
-            <a:r>
-              <a:rPr lang="en-US" sz="1400" dirty="0">
-                <a:solidFill>
-                  <a:prstClr val="black"/>
-                </a:solidFill>
-                <a:latin typeface="Calibri" panose="020F0502020204030204"/>
-              </a:rPr>
-              <a:t> shows that there is a correlation between Income and Education level.</a:t>
-            </a:r>
-          </a:p>
-          <a:p>
-            <a:pPr marL="285750" indent="-285750">
-              <a:buFont typeface="Wingdings" panose="05000000000000000000" pitchFamily="2" charset="2"/>
-              <a:buChar char="Ø"/>
-            </a:pPr>
-            <a:endParaRPr lang="en-US" sz="1000" dirty="0">
-              <a:solidFill>
-                <a:prstClr val="black"/>
-              </a:solidFill>
-              <a:latin typeface="Calibri" panose="020F0502020204030204"/>
-            </a:endParaRPr>
-          </a:p>
-          <a:p>
-            <a:pPr marL="285750" indent="-285750">
-              <a:buFont typeface="Wingdings" panose="05000000000000000000" pitchFamily="2" charset="2"/>
-              <a:buChar char="Ø"/>
-            </a:pPr>
-            <a:r>
-              <a:rPr lang="en-US" sz="1400" dirty="0">
-                <a:solidFill>
-                  <a:prstClr val="black"/>
-                </a:solidFill>
-                <a:latin typeface="Calibri" panose="020F0502020204030204"/>
-              </a:rPr>
-              <a:t>Linear regression R-value of </a:t>
-            </a:r>
-            <a:r>
-              <a:rPr lang="en-US" sz="1400" dirty="0">
-                <a:solidFill>
-                  <a:srgbClr val="FF0000"/>
-                </a:solidFill>
-                <a:latin typeface="Calibri" panose="020F0502020204030204"/>
-              </a:rPr>
-              <a:t>-0.64 </a:t>
-            </a:r>
-            <a:r>
-              <a:rPr lang="en-US" sz="1400" dirty="0">
-                <a:solidFill>
-                  <a:prstClr val="black"/>
-                </a:solidFill>
-                <a:latin typeface="Calibri" panose="020F0502020204030204"/>
-              </a:rPr>
-              <a:t>shows that there is an inverse relation between Education and Crude Cardiovascular Mortality Rate.</a:t>
-            </a:r>
-          </a:p>
-          <a:p>
-            <a:pPr marL="285750" indent="-285750">
-              <a:buFont typeface="Wingdings" panose="05000000000000000000" pitchFamily="2" charset="2"/>
-              <a:buChar char="Ø"/>
-            </a:pPr>
-            <a:endParaRPr lang="en-US" sz="1200" dirty="0">
-              <a:solidFill>
-                <a:prstClr val="black"/>
-              </a:solidFill>
-              <a:latin typeface="Calibri" panose="020F0502020204030204"/>
-            </a:endParaRPr>
-          </a:p>
-          <a:p>
-            <a:pPr marL="285750" indent="-285750">
-              <a:buFont typeface="Wingdings" panose="05000000000000000000" pitchFamily="2" charset="2"/>
-              <a:buChar char="Ø"/>
-            </a:pPr>
-            <a:r>
-              <a:rPr lang="en-US" sz="1400" dirty="0">
-                <a:solidFill>
-                  <a:prstClr val="black"/>
-                </a:solidFill>
-                <a:latin typeface="Calibri" panose="020F0502020204030204"/>
-              </a:rPr>
-              <a:t>Linear regression R-value of </a:t>
-            </a:r>
-            <a:r>
-              <a:rPr lang="en-US" sz="1400" dirty="0">
-                <a:solidFill>
-                  <a:srgbClr val="FF0000"/>
-                </a:solidFill>
-                <a:latin typeface="Calibri" panose="020F0502020204030204"/>
-              </a:rPr>
-              <a:t>-0.73 </a:t>
-            </a:r>
-            <a:r>
-              <a:rPr lang="en-US" sz="1400" dirty="0">
-                <a:solidFill>
-                  <a:prstClr val="black"/>
-                </a:solidFill>
-                <a:latin typeface="Calibri" panose="020F0502020204030204"/>
-              </a:rPr>
-              <a:t>shows that there is a correlation between Income and Crude Cardiovascular Mortality Rate.</a:t>
-            </a:r>
-          </a:p>
-        </p:txBody>
-      </p:sp>
-      <p:pic>
-        <p:nvPicPr>
-          <p:cNvPr id="10" name="Picture 9">
-            <a:extLst>
-              <a:ext uri="{FF2B5EF4-FFF2-40B4-BE49-F238E27FC236}">
-                <a16:creationId xmlns:a16="http://schemas.microsoft.com/office/drawing/2014/main" id="{B938D782-20BD-4BE5-B509-7B6CE70E5419}"/>
-              </a:ext>
-            </a:extLst>
-          </p:cNvPr>
-          <p:cNvPicPr>
-            <a:picLocks noChangeAspect="1"/>
-          </p:cNvPicPr>
-          <p:nvPr/>
-        </p:nvPicPr>
-        <p:blipFill rotWithShape="1">
-          <a:blip r:embed="rId6"/>
-          <a:srcRect r="73681" b="94643"/>
-          <a:stretch/>
-        </p:blipFill>
-        <p:spPr>
-          <a:xfrm>
-            <a:off x="5406766" y="4675056"/>
-            <a:ext cx="2048256" cy="312686"/>
-          </a:xfrm>
-          <a:prstGeom prst="rect">
-            <a:avLst/>
-          </a:prstGeom>
-        </p:spPr>
-      </p:pic>
-      <p:pic>
-        <p:nvPicPr>
-          <p:cNvPr id="11" name="Picture 10">
-            <a:extLst>
-              <a:ext uri="{FF2B5EF4-FFF2-40B4-BE49-F238E27FC236}">
-                <a16:creationId xmlns:a16="http://schemas.microsoft.com/office/drawing/2014/main" id="{3F4755AB-21DD-4AB8-AD54-C9DD717C6DB3}"/>
-              </a:ext>
-            </a:extLst>
-          </p:cNvPr>
-          <p:cNvPicPr>
-            <a:picLocks noChangeAspect="1"/>
-          </p:cNvPicPr>
-          <p:nvPr/>
-        </p:nvPicPr>
-        <p:blipFill rotWithShape="1">
-          <a:blip r:embed="rId7"/>
-          <a:srcRect r="73139" b="95953"/>
-          <a:stretch/>
-        </p:blipFill>
-        <p:spPr>
-          <a:xfrm>
-            <a:off x="5407928" y="2448479"/>
-            <a:ext cx="2047094" cy="231332"/>
-          </a:xfrm>
-          <a:prstGeom prst="rect">
-            <a:avLst/>
-          </a:prstGeom>
-        </p:spPr>
-      </p:pic>
-      <p:pic>
-        <p:nvPicPr>
-          <p:cNvPr id="12" name="Picture 11">
-            <a:extLst>
-              <a:ext uri="{FF2B5EF4-FFF2-40B4-BE49-F238E27FC236}">
-                <a16:creationId xmlns:a16="http://schemas.microsoft.com/office/drawing/2014/main" id="{377B1DCE-FC43-46A7-A668-D5B2ABC42A1B}"/>
-              </a:ext>
-            </a:extLst>
-          </p:cNvPr>
-          <p:cNvPicPr>
-            <a:picLocks noChangeAspect="1"/>
-          </p:cNvPicPr>
-          <p:nvPr/>
-        </p:nvPicPr>
-        <p:blipFill rotWithShape="1">
-          <a:blip r:embed="rId8"/>
-          <a:srcRect r="73139" b="93932"/>
-          <a:stretch/>
-        </p:blipFill>
-        <p:spPr>
-          <a:xfrm>
-            <a:off x="8975622" y="2454026"/>
-            <a:ext cx="2047094" cy="346848"/>
-          </a:xfrm>
-          <a:prstGeom prst="rect">
-            <a:avLst/>
-          </a:prstGeom>
-        </p:spPr>
-      </p:pic>
     </p:spTree>
     <p:extLst>
       <p:ext uri="{BB962C8B-B14F-4D97-AF65-F5344CB8AC3E}">
-        <p14:creationId xmlns:p14="http://schemas.microsoft.com/office/powerpoint/2010/main" val="571750232"/>
-      </p:ext>
-    </p:extLst>
-  </p:cSld>
-  <p:clrMapOvr>
-    <a:masterClrMapping/>
-  </p:clrMapOvr>
-</p:sld>
-</file>
-
-<file path=ppt/slides/slide9.xml><?xml version="1.0" encoding="utf-8"?>
-<p:sld xmlns:a="http://schemas.openxmlformats.org/drawingml/2006/main" xmlns:r="http://schemas.openxmlformats.org/officeDocument/2006/relationships" xmlns:p="http://schemas.openxmlformats.org/presentationml/2006/main">
-  <p:cSld>
-    <p:bg>
-      <p:bgPr>
-        <a:solidFill>
-          <a:schemeClr val="bg1"/>
-        </a:solidFill>
-        <a:effectLst/>
-      </p:bgPr>
-    </p:bg>
-    <p:spTree>
-      <p:nvGrpSpPr>
-        <p:cNvPr id="1" name=""/>
-        <p:cNvGrpSpPr/>
-        <p:nvPr/>
-      </p:nvGrpSpPr>
-      <p:grpSpPr>
-        <a:xfrm>
-          <a:off x="0" y="0"/>
-          <a:ext cx="0" cy="0"/>
-          <a:chOff x="0" y="0"/>
-          <a:chExt cx="0" cy="0"/>
-        </a:xfrm>
-      </p:grpSpPr>
-      <p:sp>
-        <p:nvSpPr>
-          <p:cNvPr id="27" name="Rectangle 9">
-            <a:extLst>
-              <a:ext uri="{FF2B5EF4-FFF2-40B4-BE49-F238E27FC236}">
-                <a16:creationId xmlns:a16="http://schemas.microsoft.com/office/drawing/2014/main" id="{8D70B121-56F4-4848-B38B-182089D909FA}"/>
-              </a:ext>
-              <a:ext uri="{C183D7F6-B498-43B3-948B-1728B52AA6E4}">
-                <adec:decorative xmlns:adec="http://schemas.microsoft.com/office/drawing/2017/decorative" val="1"/>
-              </a:ext>
-            </a:extLst>
-          </p:cNvPr>
-          <p:cNvSpPr>
-            <a:spLocks noGrp="1" noRot="1" noChangeAspect="1" noMove="1" noResize="1" noEditPoints="1" noAdjustHandles="1" noChangeArrowheads="1" noChangeShapeType="1" noTextEdit="1"/>
-          </p:cNvSpPr>
-          <p:nvPr>
-            <p:extLst>
-              <p:ext uri="{386F3935-93C4-4BCD-93E2-E3B085C9AB24}">
-                <p16:designElem xmlns:p16="http://schemas.microsoft.com/office/powerpoint/2015/main" val="1"/>
-              </p:ext>
-            </p:extLst>
-          </p:nvPr>
-        </p:nvSpPr>
-        <p:spPr bwMode="ltGray">
-          <a:xfrm>
-            <a:off x="321564" y="320040"/>
-            <a:ext cx="11548872" cy="6217920"/>
-          </a:xfrm>
-          <a:prstGeom prst="rect">
-            <a:avLst/>
-          </a:prstGeom>
-          <a:solidFill>
-            <a:schemeClr val="tx1">
-              <a:alpha val="8000"/>
-            </a:schemeClr>
-          </a:solidFill>
-          <a:ln w="127000" cap="sq" cmpd="thinThick">
-            <a:noFill/>
-          </a:ln>
-        </p:spPr>
-        <p:style>
-          <a:lnRef idx="2">
-            <a:schemeClr val="accent1">
-              <a:shade val="50000"/>
-            </a:schemeClr>
-          </a:lnRef>
-          <a:fillRef idx="1">
-            <a:schemeClr val="accent1"/>
-          </a:fillRef>
-          <a:effectRef idx="0">
-            <a:schemeClr val="accent1"/>
-          </a:effectRef>
-          <a:fontRef idx="minor">
-            <a:schemeClr val="lt1"/>
-          </a:fontRef>
-        </p:style>
-        <p:txBody>
-          <a:bodyPr rtlCol="0" anchor="ctr"/>
-          <a:lstStyle/>
-          <a:p>
-            <a:pPr algn="ctr"/>
-            <a:endParaRPr lang="en-US"/>
-          </a:p>
-        </p:txBody>
-      </p:sp>
-      <p:cxnSp>
-        <p:nvCxnSpPr>
-          <p:cNvPr id="28" name="Straight Connector 11" hidden="1">
-            <a:extLst>
-              <a:ext uri="{FF2B5EF4-FFF2-40B4-BE49-F238E27FC236}">
-                <a16:creationId xmlns:a16="http://schemas.microsoft.com/office/drawing/2014/main" id="{2D72A2C9-F3CA-4216-8BAD-FA4C970C3C4E}"/>
-              </a:ext>
-              <a:ext uri="{C183D7F6-B498-43B3-948B-1728B52AA6E4}">
-                <adec:decorative xmlns:adec="http://schemas.microsoft.com/office/drawing/2017/decorative" val="1"/>
-              </a:ext>
-            </a:extLst>
-          </p:cNvPr>
-          <p:cNvCxnSpPr>
-            <a:cxnSpLocks noGrp="1" noRot="1" noChangeAspect="1" noMove="1" noResize="1" noEditPoints="1" noAdjustHandles="1" noChangeArrowheads="1" noChangeShapeType="1"/>
-          </p:cNvCxnSpPr>
-          <p:nvPr>
-            <p:extLst>
-              <p:ext uri="{386F3935-93C4-4BCD-93E2-E3B085C9AB24}">
-                <p16:designElem xmlns:p16="http://schemas.microsoft.com/office/powerpoint/2015/main" val="1"/>
-              </p:ext>
-            </p:extLst>
-          </p:nvPr>
-        </p:nvCxnSpPr>
-        <p:spPr>
-          <a:xfrm>
-            <a:off x="4654296" y="2057400"/>
-            <a:ext cx="0" cy="2743200"/>
-          </a:xfrm>
-          <a:prstGeom prst="line">
-            <a:avLst/>
-          </a:prstGeom>
-          <a:ln w="19050">
-            <a:solidFill>
-              <a:schemeClr val="tx1">
-                <a:lumMod val="85000"/>
-                <a:lumOff val="15000"/>
-              </a:schemeClr>
-            </a:solidFill>
-          </a:ln>
-        </p:spPr>
-        <p:style>
-          <a:lnRef idx="1">
-            <a:schemeClr val="accent1"/>
-          </a:lnRef>
-          <a:fillRef idx="0">
-            <a:schemeClr val="accent1"/>
-          </a:fillRef>
-          <a:effectRef idx="0">
-            <a:schemeClr val="accent1"/>
-          </a:effectRef>
-          <a:fontRef idx="minor">
-            <a:schemeClr val="tx1"/>
-          </a:fontRef>
-        </p:style>
-      </p:cxnSp>
-      <p:pic>
-        <p:nvPicPr>
-          <p:cNvPr id="7" name="Picture 6">
-            <a:extLst>
-              <a:ext uri="{FF2B5EF4-FFF2-40B4-BE49-F238E27FC236}">
-                <a16:creationId xmlns:a16="http://schemas.microsoft.com/office/drawing/2014/main" id="{26AD4DC4-A66E-40DE-98C6-8A5334CC78C7}"/>
-              </a:ext>
-            </a:extLst>
-          </p:cNvPr>
-          <p:cNvPicPr>
-            <a:picLocks noChangeAspect="1"/>
-          </p:cNvPicPr>
-          <p:nvPr/>
-        </p:nvPicPr>
-        <p:blipFill>
-          <a:blip r:embed="rId2"/>
-          <a:stretch>
-            <a:fillRect/>
-          </a:stretch>
-        </p:blipFill>
-        <p:spPr>
-          <a:xfrm>
-            <a:off x="6239657" y="411555"/>
-            <a:ext cx="5630779" cy="2852928"/>
-          </a:xfrm>
-          <a:prstGeom prst="rect">
-            <a:avLst/>
-          </a:prstGeom>
-        </p:spPr>
-      </p:pic>
-      <p:pic>
-        <p:nvPicPr>
-          <p:cNvPr id="11" name="Picture 10">
-            <a:extLst>
-              <a:ext uri="{FF2B5EF4-FFF2-40B4-BE49-F238E27FC236}">
-                <a16:creationId xmlns:a16="http://schemas.microsoft.com/office/drawing/2014/main" id="{7B036AA6-0B60-4002-9599-89E59A6F42BB}"/>
-              </a:ext>
-            </a:extLst>
-          </p:cNvPr>
-          <p:cNvPicPr>
-            <a:picLocks/>
-          </p:cNvPicPr>
-          <p:nvPr/>
-        </p:nvPicPr>
-        <p:blipFill>
-          <a:blip r:embed="rId3"/>
-          <a:stretch>
-            <a:fillRect/>
-          </a:stretch>
-        </p:blipFill>
-        <p:spPr>
-          <a:xfrm>
-            <a:off x="321564" y="3432961"/>
-            <a:ext cx="5632704" cy="2852928"/>
-          </a:xfrm>
-          <a:prstGeom prst="rect">
-            <a:avLst/>
-          </a:prstGeom>
-        </p:spPr>
-      </p:pic>
-      <p:sp>
-        <p:nvSpPr>
-          <p:cNvPr id="14" name="TextBox 13">
-            <a:extLst>
-              <a:ext uri="{FF2B5EF4-FFF2-40B4-BE49-F238E27FC236}">
-                <a16:creationId xmlns:a16="http://schemas.microsoft.com/office/drawing/2014/main" id="{87F420D0-5FC0-4B75-900B-A6E5FEFE3D48}"/>
-              </a:ext>
-            </a:extLst>
-          </p:cNvPr>
-          <p:cNvSpPr txBox="1"/>
-          <p:nvPr/>
-        </p:nvSpPr>
-        <p:spPr>
-          <a:xfrm>
-            <a:off x="6096000" y="3535986"/>
-            <a:ext cx="5707223" cy="2746906"/>
-          </a:xfrm>
-          <a:prstGeom prst="rect">
-            <a:avLst/>
-          </a:prstGeom>
-          <a:noFill/>
-        </p:spPr>
-        <p:txBody>
-          <a:bodyPr wrap="square" rtlCol="0">
-            <a:spAutoFit/>
-          </a:bodyPr>
-          <a:lstStyle/>
-          <a:p>
-            <a:pPr algn="ctr"/>
-            <a:r>
-              <a:rPr lang="en-US" sz="2000" b="1" u="sng" dirty="0">
-                <a:solidFill>
-                  <a:srgbClr val="0070C0"/>
-                </a:solidFill>
-              </a:rPr>
-              <a:t>Comparison – Montgomery, MD</a:t>
-            </a:r>
-            <a:endParaRPr lang="en-US" sz="1600" b="1" u="sng" dirty="0">
-              <a:solidFill>
-                <a:srgbClr val="0070C0"/>
-              </a:solidFill>
-              <a:latin typeface="Calibri" panose="020F0502020204030204"/>
-            </a:endParaRPr>
-          </a:p>
-          <a:p>
-            <a:pPr marL="285750" indent="-285750">
-              <a:buFont typeface="Wingdings" panose="05000000000000000000" pitchFamily="2" charset="2"/>
-              <a:buChar char="Ø"/>
-            </a:pPr>
-            <a:r>
-              <a:rPr lang="en-US" sz="1600" dirty="0">
-                <a:solidFill>
-                  <a:prstClr val="black"/>
-                </a:solidFill>
-                <a:latin typeface="Calibri" panose="020F0502020204030204"/>
-              </a:rPr>
-              <a:t>Crude Rate for Montgomery County, MD is 42.1, which means that every 100,000 people, 42 die each year from heart disease. It represents one of the lowest mortality rates of all counties.</a:t>
-            </a:r>
-          </a:p>
-          <a:p>
-            <a:pPr marL="285750" indent="-285750">
-              <a:buFont typeface="Wingdings" panose="05000000000000000000" pitchFamily="2" charset="2"/>
-              <a:buChar char="Ø"/>
-            </a:pPr>
-            <a:endParaRPr lang="en-US" sz="1050" dirty="0">
-              <a:solidFill>
-                <a:prstClr val="black"/>
-              </a:solidFill>
-              <a:latin typeface="Calibri" panose="020F0502020204030204"/>
-            </a:endParaRPr>
-          </a:p>
-          <a:p>
-            <a:pPr marL="285750" indent="-285750">
-              <a:buFont typeface="Wingdings" panose="05000000000000000000" pitchFamily="2" charset="2"/>
-              <a:buChar char="Ø"/>
-            </a:pPr>
-            <a:r>
-              <a:rPr lang="en-US" sz="1600" dirty="0">
-                <a:solidFill>
-                  <a:prstClr val="black"/>
-                </a:solidFill>
-                <a:latin typeface="Calibri" panose="020F0502020204030204"/>
-              </a:rPr>
-              <a:t>Median Household Income for Montgomery County is $97,487, which represents one of the higher income level bucket</a:t>
-            </a:r>
-          </a:p>
-          <a:p>
-            <a:pPr marL="285750" indent="-285750">
-              <a:buFont typeface="Wingdings" panose="05000000000000000000" pitchFamily="2" charset="2"/>
-              <a:buChar char="Ø"/>
-            </a:pPr>
-            <a:endParaRPr lang="en-US" sz="1400" dirty="0">
-              <a:solidFill>
-                <a:prstClr val="black"/>
-              </a:solidFill>
-              <a:latin typeface="Calibri" panose="020F0502020204030204"/>
-            </a:endParaRPr>
-          </a:p>
-          <a:p>
-            <a:pPr marL="285750" indent="-285750">
-              <a:buFont typeface="Wingdings" panose="05000000000000000000" pitchFamily="2" charset="2"/>
-              <a:buChar char="Ø"/>
-            </a:pPr>
-            <a:r>
-              <a:rPr lang="en-US" sz="1600" dirty="0">
-                <a:solidFill>
-                  <a:prstClr val="black"/>
-                </a:solidFill>
-                <a:latin typeface="Calibri" panose="020F0502020204030204"/>
-              </a:rPr>
-              <a:t>Mean Year Schooling for Montgomery County is 16.84, which represents one of the highest buckets for years in school</a:t>
-            </a:r>
-          </a:p>
-        </p:txBody>
-      </p:sp>
-      <p:pic>
-        <p:nvPicPr>
-          <p:cNvPr id="12" name="Picture 11">
-            <a:extLst>
-              <a:ext uri="{FF2B5EF4-FFF2-40B4-BE49-F238E27FC236}">
-                <a16:creationId xmlns:a16="http://schemas.microsoft.com/office/drawing/2014/main" id="{34723F25-FB7C-43E5-97E3-A12A44E292B6}"/>
-              </a:ext>
-            </a:extLst>
-          </p:cNvPr>
-          <p:cNvPicPr>
-            <a:picLocks/>
-          </p:cNvPicPr>
-          <p:nvPr/>
-        </p:nvPicPr>
-        <p:blipFill>
-          <a:blip r:embed="rId4"/>
-          <a:stretch>
-            <a:fillRect/>
-          </a:stretch>
-        </p:blipFill>
-        <p:spPr>
-          <a:xfrm>
-            <a:off x="321564" y="411555"/>
-            <a:ext cx="5632704" cy="2852928"/>
-          </a:xfrm>
-          <a:prstGeom prst="rect">
-            <a:avLst/>
-          </a:prstGeom>
-        </p:spPr>
-      </p:pic>
-    </p:spTree>
-    <p:extLst>
-      <p:ext uri="{BB962C8B-B14F-4D97-AF65-F5344CB8AC3E}">
-        <p14:creationId xmlns:p14="http://schemas.microsoft.com/office/powerpoint/2010/main" val="1877690365"/>
+        <p14:creationId xmlns:p14="http://schemas.microsoft.com/office/powerpoint/2010/main" val="2329927266"/>
       </p:ext>
     </p:extLst>
   </p:cSld>

--- a/First Project Data and Code/Cardiovascular Mortality Presentation CJK edits.pptx
+++ b/First Project Data and Code/Cardiovascular Mortality Presentation CJK edits.pptx
@@ -213,7 +213,7 @@
           <a:p>
             <a:fld id="{379DA041-9F22-4583-A033-688ED897DD84}" type="datetimeFigureOut">
               <a:rPr lang="en-US" smtClean="0"/>
-              <a:t>12/8/2018</a:t>
+              <a:t>12/15/2018</a:t>
             </a:fld>
             <a:endParaRPr lang="en-US"/>
           </a:p>
@@ -627,7 +627,7 @@
           <a:p>
             <a:fld id="{3EB66871-4E60-40B2-816D-482DF2254817}" type="datetimeFigureOut">
               <a:rPr lang="en-US" smtClean="0"/>
-              <a:t>12/8/2018</a:t>
+              <a:t>12/15/2018</a:t>
             </a:fld>
             <a:endParaRPr lang="en-US"/>
           </a:p>
@@ -825,7 +825,7 @@
           <a:p>
             <a:fld id="{3EB66871-4E60-40B2-816D-482DF2254817}" type="datetimeFigureOut">
               <a:rPr lang="en-US" smtClean="0"/>
-              <a:t>12/8/2018</a:t>
+              <a:t>12/15/2018</a:t>
             </a:fld>
             <a:endParaRPr lang="en-US"/>
           </a:p>
@@ -1033,7 +1033,7 @@
           <a:p>
             <a:fld id="{3EB66871-4E60-40B2-816D-482DF2254817}" type="datetimeFigureOut">
               <a:rPr lang="en-US" smtClean="0"/>
-              <a:t>12/8/2018</a:t>
+              <a:t>12/15/2018</a:t>
             </a:fld>
             <a:endParaRPr lang="en-US"/>
           </a:p>
@@ -1231,7 +1231,7 @@
           <a:p>
             <a:fld id="{3EB66871-4E60-40B2-816D-482DF2254817}" type="datetimeFigureOut">
               <a:rPr lang="en-US" smtClean="0"/>
-              <a:t>12/8/2018</a:t>
+              <a:t>12/15/2018</a:t>
             </a:fld>
             <a:endParaRPr lang="en-US"/>
           </a:p>
@@ -1506,7 +1506,7 @@
           <a:p>
             <a:fld id="{3EB66871-4E60-40B2-816D-482DF2254817}" type="datetimeFigureOut">
               <a:rPr lang="en-US" smtClean="0"/>
-              <a:t>12/8/2018</a:t>
+              <a:t>12/15/2018</a:t>
             </a:fld>
             <a:endParaRPr lang="en-US"/>
           </a:p>
@@ -1771,7 +1771,7 @@
           <a:p>
             <a:fld id="{3EB66871-4E60-40B2-816D-482DF2254817}" type="datetimeFigureOut">
               <a:rPr lang="en-US" smtClean="0"/>
-              <a:t>12/8/2018</a:t>
+              <a:t>12/15/2018</a:t>
             </a:fld>
             <a:endParaRPr lang="en-US"/>
           </a:p>
@@ -2183,7 +2183,7 @@
           <a:p>
             <a:fld id="{3EB66871-4E60-40B2-816D-482DF2254817}" type="datetimeFigureOut">
               <a:rPr lang="en-US" smtClean="0"/>
-              <a:t>12/8/2018</a:t>
+              <a:t>12/15/2018</a:t>
             </a:fld>
             <a:endParaRPr lang="en-US"/>
           </a:p>
@@ -2324,7 +2324,7 @@
           <a:p>
             <a:fld id="{3EB66871-4E60-40B2-816D-482DF2254817}" type="datetimeFigureOut">
               <a:rPr lang="en-US" smtClean="0"/>
-              <a:t>12/8/2018</a:t>
+              <a:t>12/15/2018</a:t>
             </a:fld>
             <a:endParaRPr lang="en-US"/>
           </a:p>
@@ -2437,7 +2437,7 @@
           <a:p>
             <a:fld id="{3EB66871-4E60-40B2-816D-482DF2254817}" type="datetimeFigureOut">
               <a:rPr lang="en-US" smtClean="0"/>
-              <a:t>12/8/2018</a:t>
+              <a:t>12/15/2018</a:t>
             </a:fld>
             <a:endParaRPr lang="en-US"/>
           </a:p>
@@ -2748,7 +2748,7 @@
           <a:p>
             <a:fld id="{3EB66871-4E60-40B2-816D-482DF2254817}" type="datetimeFigureOut">
               <a:rPr lang="en-US" smtClean="0"/>
-              <a:t>12/8/2018</a:t>
+              <a:t>12/15/2018</a:t>
             </a:fld>
             <a:endParaRPr lang="en-US"/>
           </a:p>
@@ -3036,7 +3036,7 @@
           <a:p>
             <a:fld id="{3EB66871-4E60-40B2-816D-482DF2254817}" type="datetimeFigureOut">
               <a:rPr lang="en-US" smtClean="0"/>
-              <a:t>12/8/2018</a:t>
+              <a:t>12/15/2018</a:t>
             </a:fld>
             <a:endParaRPr lang="en-US"/>
           </a:p>
@@ -3277,7 +3277,7 @@
           <a:p>
             <a:fld id="{3EB66871-4E60-40B2-816D-482DF2254817}" type="datetimeFigureOut">
               <a:rPr lang="en-US" smtClean="0"/>
-              <a:t>12/8/2018</a:t>
+              <a:t>12/15/2018</a:t>
             </a:fld>
             <a:endParaRPr lang="en-US"/>
           </a:p>
@@ -6490,22 +6490,7 @@
                   <a:schemeClr val="accent1"/>
                 </a:solidFill>
               </a:rPr>
-              <a:t>Data Cleanup &amp;</a:t>
-            </a:r>
-            <a:br>
-              <a:rPr lang="en-US" dirty="0">
-                <a:solidFill>
-                  <a:schemeClr val="accent1"/>
-                </a:solidFill>
-              </a:rPr>
-            </a:br>
-            <a:r>
-              <a:rPr lang="en-US" dirty="0">
-                <a:solidFill>
-                  <a:schemeClr val="accent1"/>
-                </a:solidFill>
-              </a:rPr>
-              <a:t>Data Interpretation</a:t>
+              <a:t>Data Cleanup</a:t>
             </a:r>
           </a:p>
         </p:txBody>
@@ -7042,22 +7027,7 @@
                   <a:schemeClr val="accent1"/>
                 </a:solidFill>
               </a:rPr>
-              <a:t>Data Cleanup &amp;</a:t>
-            </a:r>
-            <a:br>
-              <a:rPr lang="en-US" dirty="0">
-                <a:solidFill>
-                  <a:schemeClr val="accent1"/>
-                </a:solidFill>
-              </a:rPr>
-            </a:br>
-            <a:r>
-              <a:rPr lang="en-US" dirty="0">
-                <a:solidFill>
-                  <a:schemeClr val="accent1"/>
-                </a:solidFill>
-              </a:rPr>
-              <a:t>Data Interpretation Cont.</a:t>
+              <a:t>Data Cleanup</a:t>
             </a:r>
           </a:p>
         </p:txBody>
@@ -7649,7 +7619,7 @@
                   <a:schemeClr val="accent1"/>
                 </a:solidFill>
               </a:rPr>
-              <a:t>Data Interpretation Cont.</a:t>
+              <a:t>Final DF</a:t>
             </a:r>
           </a:p>
         </p:txBody>
@@ -7709,6 +7679,42 @@
           </a:fontRef>
         </p:style>
       </p:cxnSp>
+      <p:pic>
+        <p:nvPicPr>
+          <p:cNvPr id="3" name="Picture 2">
+            <a:extLst>
+              <a:ext uri="{FF2B5EF4-FFF2-40B4-BE49-F238E27FC236}">
+                <a16:creationId xmlns:a16="http://schemas.microsoft.com/office/drawing/2014/main" id="{C2AE26EA-1B16-462B-9D6D-7B2B0E4BC717}"/>
+              </a:ext>
+            </a:extLst>
+          </p:cNvPr>
+          <p:cNvPicPr>
+            <a:picLocks noChangeAspect="1"/>
+          </p:cNvPicPr>
+          <p:nvPr/>
+        </p:nvPicPr>
+        <p:blipFill>
+          <a:blip r:embed="rId2">
+            <a:extLst>
+              <a:ext uri="{28A0092B-C50C-407E-A947-70E740481C1C}">
+                <a14:useLocalDpi xmlns:a14="http://schemas.microsoft.com/office/drawing/2010/main" val="0"/>
+              </a:ext>
+            </a:extLst>
+          </a:blip>
+          <a:stretch>
+            <a:fillRect/>
+          </a:stretch>
+        </p:blipFill>
+        <p:spPr>
+          <a:xfrm>
+            <a:off x="4715617" y="2556769"/>
+            <a:ext cx="7175259" cy="1615736"/>
+          </a:xfrm>
+          <a:prstGeom prst="rect">
+            <a:avLst/>
+          </a:prstGeom>
+        </p:spPr>
+      </p:pic>
     </p:spTree>
     <p:extLst>
       <p:ext uri="{BB962C8B-B14F-4D97-AF65-F5344CB8AC3E}">
